--- a/转正申请与总结-祝明杰.pptx
+++ b/转正申请与总结-祝明杰.pptx
@@ -213,7 +213,7 @@
           <a:p>
             <a:fld id="{7AB1A718-2EF3-4FEF-9652-7CA90B1F98E5}" type="datetimeFigureOut">
               <a:rPr lang="zh-CN" altLang="en-US" smtClean="0"/>
-              <a:t>2026/1/26</a:t>
+              <a:t>2026/1/27</a:t>
             </a:fld>
             <a:endParaRPr lang="zh-CN" altLang="en-US"/>
           </a:p>
@@ -632,7 +632,7 @@
           </a:ln>
           <a:extLst>
             <a:ext uri="{91240B29-F687-4f45-9708-019B960494DF}">
-              <a14:hiddenLine xmlns="" xmlns:a14="http://schemas.microsoft.com/office/drawing/2010/main" w="9525">
+              <a14:hiddenLine xmlns:a14="http://schemas.microsoft.com/office/drawing/2010/main" xmlns="" w="9525">
                 <a:solidFill>
                   <a:srgbClr val="000000"/>
                 </a:solidFill>
@@ -756,7 +756,7 @@
           </a:ln>
           <a:extLst>
             <a:ext uri="{91240B29-F687-4f45-9708-019B960494DF}">
-              <a14:hiddenLine xmlns="" xmlns:a14="http://schemas.microsoft.com/office/drawing/2010/main" w="9525">
+              <a14:hiddenLine xmlns:a14="http://schemas.microsoft.com/office/drawing/2010/main" xmlns="" w="9525">
                 <a:solidFill>
                   <a:srgbClr val="000000"/>
                 </a:solidFill>
@@ -978,7 +978,7 @@
           <p:cNvPr id="24" name="矩形 23">
             <a:extLst>
               <a:ext uri="{FF2B5EF4-FFF2-40B4-BE49-F238E27FC236}">
-                <a16:creationId xmlns="" xmlns:a16="http://schemas.microsoft.com/office/drawing/2014/main" id="{6286DD0E-0F20-4F4E-8533-FFE05262B0DD}"/>
+                <a16:creationId xmlns:a16="http://schemas.microsoft.com/office/drawing/2014/main" xmlns="" id="{6286DD0E-0F20-4F4E-8533-FFE05262B0DD}"/>
               </a:ext>
             </a:extLst>
           </p:cNvPr>
@@ -1037,7 +1037,7 @@
           <p:cNvPr id="7" name="图片 6">
             <a:extLst>
               <a:ext uri="{FF2B5EF4-FFF2-40B4-BE49-F238E27FC236}">
-                <a16:creationId xmlns="" xmlns:a16="http://schemas.microsoft.com/office/drawing/2014/main" id="{8971FE5F-7AB6-45F2-A091-D2F0246940EE}"/>
+                <a16:creationId xmlns:a16="http://schemas.microsoft.com/office/drawing/2014/main" xmlns="" id="{8971FE5F-7AB6-45F2-A091-D2F0246940EE}"/>
               </a:ext>
             </a:extLst>
           </p:cNvPr>
@@ -1169,7 +1169,7 @@
           </a:ln>
           <a:extLst>
             <a:ext uri="{91240B29-F687-4f45-9708-019B960494DF}">
-              <a14:hiddenLine xmlns="" xmlns:a14="http://schemas.microsoft.com/office/drawing/2010/main" w="9525">
+              <a14:hiddenLine xmlns:a14="http://schemas.microsoft.com/office/drawing/2010/main" xmlns="" w="9525">
                 <a:solidFill>
                   <a:srgbClr val="000000"/>
                 </a:solidFill>
@@ -1309,7 +1309,7 @@
                   <a:spcPct val="0"/>
                 </a:spcAft>
               </a:pPr>
-              <a:t>2026/1/26</a:t>
+              <a:t>2026/1/27</a:t>
             </a:fld>
             <a:endParaRPr lang="zh-CN" altLang="en-US">
               <a:solidFill>
@@ -2842,7 +2842,7 @@
         <p:cNvPr id="1" name="">
           <a:extLst>
             <a:ext uri="{FF2B5EF4-FFF2-40B4-BE49-F238E27FC236}">
-              <a16:creationId xmlns="" xmlns:a16="http://schemas.microsoft.com/office/drawing/2014/main" id="{42857366-A2DB-824A-4A7A-8A567416A5B9}"/>
+              <a16:creationId xmlns:a16="http://schemas.microsoft.com/office/drawing/2014/main" xmlns="" id="{42857366-A2DB-824A-4A7A-8A567416A5B9}"/>
             </a:ext>
           </a:extLst>
         </p:cNvPr>
@@ -2862,7 +2862,7 @@
           <p:cNvPr id="8" name="标题 1">
             <a:extLst>
               <a:ext uri="{FF2B5EF4-FFF2-40B4-BE49-F238E27FC236}">
-                <a16:creationId xmlns="" xmlns:a16="http://schemas.microsoft.com/office/drawing/2014/main" id="{247A6696-938F-F67A-BBEE-C75173CF3637}"/>
+                <a16:creationId xmlns:a16="http://schemas.microsoft.com/office/drawing/2014/main" xmlns="" id="{247A6696-938F-F67A-BBEE-C75173CF3637}"/>
               </a:ext>
             </a:extLst>
           </p:cNvPr>
@@ -3076,7 +3076,7 @@
           <p:cNvPr id="5" name="直接连接符 4">
             <a:extLst>
               <a:ext uri="{FF2B5EF4-FFF2-40B4-BE49-F238E27FC236}">
-                <a16:creationId xmlns="" xmlns:a16="http://schemas.microsoft.com/office/drawing/2014/main" id="{0F6A4A75-C2EE-20C3-81C0-5D6D016275CF}"/>
+                <a16:creationId xmlns:a16="http://schemas.microsoft.com/office/drawing/2014/main" xmlns="" id="{0F6A4A75-C2EE-20C3-81C0-5D6D016275CF}"/>
               </a:ext>
             </a:extLst>
           </p:cNvPr>
@@ -3123,7 +3123,7 @@
           <p:cNvPr id="2" name="矩形 1">
             <a:extLst>
               <a:ext uri="{FF2B5EF4-FFF2-40B4-BE49-F238E27FC236}">
-                <a16:creationId xmlns="" xmlns:a16="http://schemas.microsoft.com/office/drawing/2014/main" id="{7A80F02A-C8A0-6123-33BC-4C338141368D}"/>
+                <a16:creationId xmlns:a16="http://schemas.microsoft.com/office/drawing/2014/main" xmlns="" id="{7A80F02A-C8A0-6123-33BC-4C338141368D}"/>
               </a:ext>
             </a:extLst>
           </p:cNvPr>
@@ -3976,7 +3976,7 @@
           <p:cNvPr id="4" name="图片 3">
             <a:extLst>
               <a:ext uri="{FF2B5EF4-FFF2-40B4-BE49-F238E27FC236}">
-                <a16:creationId xmlns="" xmlns:a16="http://schemas.microsoft.com/office/drawing/2014/main" id="{1D389CD6-E845-3DA2-3ADA-9C0BB02436A2}"/>
+                <a16:creationId xmlns:a16="http://schemas.microsoft.com/office/drawing/2014/main" xmlns="" id="{1D389CD6-E845-3DA2-3ADA-9C0BB02436A2}"/>
               </a:ext>
             </a:extLst>
           </p:cNvPr>
@@ -4006,7 +4006,7 @@
           <p:cNvPr id="6" name="文本框 5">
             <a:extLst>
               <a:ext uri="{FF2B5EF4-FFF2-40B4-BE49-F238E27FC236}">
-                <a16:creationId xmlns="" xmlns:a16="http://schemas.microsoft.com/office/drawing/2014/main" id="{2BC0A0A8-0C9C-2D51-D930-A3AB6D1663CB}"/>
+                <a16:creationId xmlns:a16="http://schemas.microsoft.com/office/drawing/2014/main" xmlns="" id="{2BC0A0A8-0C9C-2D51-D930-A3AB6D1663CB}"/>
               </a:ext>
             </a:extLst>
           </p:cNvPr>
@@ -4143,7 +4143,7 @@
         <p:cNvPr id="1" name="">
           <a:extLst>
             <a:ext uri="{FF2B5EF4-FFF2-40B4-BE49-F238E27FC236}">
-              <a16:creationId xmlns="" xmlns:a16="http://schemas.microsoft.com/office/drawing/2014/main" id="{441C1419-120D-DC1F-C21A-56303716ED90}"/>
+              <a16:creationId xmlns:a16="http://schemas.microsoft.com/office/drawing/2014/main" xmlns="" id="{441C1419-120D-DC1F-C21A-56303716ED90}"/>
             </a:ext>
           </a:extLst>
         </p:cNvPr>
@@ -4163,7 +4163,7 @@
           <p:cNvPr id="8" name="标题 1">
             <a:extLst>
               <a:ext uri="{FF2B5EF4-FFF2-40B4-BE49-F238E27FC236}">
-                <a16:creationId xmlns="" xmlns:a16="http://schemas.microsoft.com/office/drawing/2014/main" id="{BF62F1C8-BD5E-AB89-0E19-C79DD8E1455D}"/>
+                <a16:creationId xmlns:a16="http://schemas.microsoft.com/office/drawing/2014/main" xmlns="" id="{BF62F1C8-BD5E-AB89-0E19-C79DD8E1455D}"/>
               </a:ext>
             </a:extLst>
           </p:cNvPr>
@@ -4362,7 +4362,7 @@
           <p:nvPr>
             <p:extLst>
               <p:ext uri="{D42A27DB-BD31-4B8C-83A1-F6EECF244321}">
-                <p14:modId xmlns:p14="http://schemas.microsoft.com/office/powerpoint/2010/main" val="77314429"/>
+                <p14:modId xmlns:p14="http://schemas.microsoft.com/office/powerpoint/2010/main" val="325673924"/>
               </p:ext>
             </p:extLst>
           </p:nvPr>
@@ -4915,7 +4915,15 @@
                             <a:schemeClr val="tx1"/>
                           </a:solidFill>
                         </a:rPr>
-                        <a:t>信号写死处理</a:t>
+                        <a:t>信号写死</a:t>
+                      </a:r>
+                      <a:r>
+                        <a:rPr lang="zh-CN" altLang="en-US" sz="1400" dirty="0" smtClean="0">
+                          <a:solidFill>
+                            <a:schemeClr val="tx1"/>
+                          </a:solidFill>
+                        </a:rPr>
+                        <a:t>处理。</a:t>
                       </a:r>
                       <a:r>
                         <a:rPr lang="en-US" altLang="zh-CN" sz="1400" dirty="0" err="1" smtClean="0">
@@ -4948,14 +4956,6 @@
                           </a:solidFill>
                         </a:rPr>
                         <a:t>；</a:t>
-                      </a:r>
-                      <a:r>
-                        <a:rPr lang="zh-CN" altLang="en-US" sz="1400" b="1" dirty="0" smtClean="0">
-                          <a:solidFill>
-                            <a:schemeClr val="tx1"/>
-                          </a:solidFill>
-                        </a:rPr>
-                        <a:t>非强制上电版本</a:t>
                       </a:r>
                       <a:endParaRPr lang="en-US" altLang="zh-CN" sz="1400" dirty="0" smtClean="0">
                         <a:solidFill>
@@ -5019,7 +5019,39 @@
                             <a:schemeClr val="tx1"/>
                           </a:solidFill>
                         </a:rPr>
-                        <a:t>组：某些</a:t>
+                        <a:t>组</a:t>
+                      </a:r>
+                      <a:r>
+                        <a:rPr lang="zh-CN" altLang="en-US" sz="1400" dirty="0" smtClean="0">
+                          <a:solidFill>
+                            <a:schemeClr val="tx1"/>
+                          </a:solidFill>
+                        </a:rPr>
+                        <a:t>：</a:t>
+                      </a:r>
+                      <a:r>
+                        <a:rPr lang="zh-CN" altLang="en-US" sz="1400" b="1" dirty="0" smtClean="0">
+                          <a:solidFill>
+                            <a:schemeClr val="tx1"/>
+                          </a:solidFill>
+                        </a:rPr>
+                        <a:t>非强制上电版本</a:t>
+                      </a:r>
+                      <a:r>
+                        <a:rPr lang="zh-CN" altLang="en-US" sz="1400" b="0" dirty="0" smtClean="0">
+                          <a:solidFill>
+                            <a:schemeClr val="tx1"/>
+                          </a:solidFill>
+                        </a:rPr>
+                        <a:t>，</a:t>
+                      </a:r>
+                      <a:r>
+                        <a:rPr lang="zh-CN" altLang="en-US" sz="1400" dirty="0" smtClean="0">
+                          <a:solidFill>
+                            <a:schemeClr val="tx1"/>
+                          </a:solidFill>
+                        </a:rPr>
+                        <a:t>某些</a:t>
                       </a:r>
                       <a:r>
                         <a:rPr lang="en-US" altLang="zh-CN" sz="1400" dirty="0" smtClean="0">
@@ -6213,7 +6245,7 @@
           <p:cNvPr id="4" name="文本框 3">
             <a:extLst>
               <a:ext uri="{FF2B5EF4-FFF2-40B4-BE49-F238E27FC236}">
-                <a16:creationId xmlns="" xmlns:a16="http://schemas.microsoft.com/office/drawing/2014/main" id="{2BC0A0A8-0C9C-2D51-D930-A3AB6D1663CB}"/>
+                <a16:creationId xmlns:a16="http://schemas.microsoft.com/office/drawing/2014/main" xmlns="" id="{2BC0A0A8-0C9C-2D51-D930-A3AB6D1663CB}"/>
               </a:ext>
             </a:extLst>
           </p:cNvPr>
@@ -6316,7 +6348,7 @@
         <p:cNvPr id="1" name="">
           <a:extLst>
             <a:ext uri="{FF2B5EF4-FFF2-40B4-BE49-F238E27FC236}">
-              <a16:creationId xmlns="" xmlns:a16="http://schemas.microsoft.com/office/drawing/2014/main" id="{441C1419-120D-DC1F-C21A-56303716ED90}"/>
+              <a16:creationId xmlns:a16="http://schemas.microsoft.com/office/drawing/2014/main" xmlns="" id="{441C1419-120D-DC1F-C21A-56303716ED90}"/>
             </a:ext>
           </a:extLst>
         </p:cNvPr>
@@ -6336,7 +6368,7 @@
           <p:cNvPr id="8" name="标题 1">
             <a:extLst>
               <a:ext uri="{FF2B5EF4-FFF2-40B4-BE49-F238E27FC236}">
-                <a16:creationId xmlns="" xmlns:a16="http://schemas.microsoft.com/office/drawing/2014/main" id="{BF62F1C8-BD5E-AB89-0E19-C79DD8E1455D}"/>
+                <a16:creationId xmlns:a16="http://schemas.microsoft.com/office/drawing/2014/main" xmlns="" id="{BF62F1C8-BD5E-AB89-0E19-C79DD8E1455D}"/>
               </a:ext>
             </a:extLst>
           </p:cNvPr>
@@ -7980,7 +8012,7 @@
           <p:cNvPr id="4" name="文本框 3">
             <a:extLst>
               <a:ext uri="{FF2B5EF4-FFF2-40B4-BE49-F238E27FC236}">
-                <a16:creationId xmlns="" xmlns:a16="http://schemas.microsoft.com/office/drawing/2014/main" id="{2BC0A0A8-0C9C-2D51-D930-A3AB6D1663CB}"/>
+                <a16:creationId xmlns:a16="http://schemas.microsoft.com/office/drawing/2014/main" xmlns="" id="{2BC0A0A8-0C9C-2D51-D930-A3AB6D1663CB}"/>
               </a:ext>
             </a:extLst>
           </p:cNvPr>
@@ -8083,7 +8115,7 @@
         <p:cNvPr id="1" name="">
           <a:extLst>
             <a:ext uri="{FF2B5EF4-FFF2-40B4-BE49-F238E27FC236}">
-              <a16:creationId xmlns="" xmlns:a16="http://schemas.microsoft.com/office/drawing/2014/main" id="{4167FC13-AE83-0D31-8133-BF00331292B8}"/>
+              <a16:creationId xmlns:a16="http://schemas.microsoft.com/office/drawing/2014/main" xmlns="" id="{4167FC13-AE83-0D31-8133-BF00331292B8}"/>
             </a:ext>
           </a:extLst>
         </p:cNvPr>
@@ -8103,7 +8135,7 @@
           <p:cNvPr id="8" name="标题 1">
             <a:extLst>
               <a:ext uri="{FF2B5EF4-FFF2-40B4-BE49-F238E27FC236}">
-                <a16:creationId xmlns="" xmlns:a16="http://schemas.microsoft.com/office/drawing/2014/main" id="{5B6710D7-1A3C-9C49-E367-73AFDE59579D}"/>
+                <a16:creationId xmlns:a16="http://schemas.microsoft.com/office/drawing/2014/main" xmlns="" id="{5B6710D7-1A3C-9C49-E367-73AFDE59579D}"/>
               </a:ext>
             </a:extLst>
           </p:cNvPr>
@@ -8253,7 +8285,7 @@
           <p:nvPr>
             <p:extLst>
               <p:ext uri="{D42A27DB-BD31-4B8C-83A1-F6EECF244321}">
-                <p14:modId xmlns:p14="http://schemas.microsoft.com/office/powerpoint/2010/main" val="848687802"/>
+                <p14:modId xmlns:p14="http://schemas.microsoft.com/office/powerpoint/2010/main" val="294749132"/>
               </p:ext>
             </p:extLst>
           </p:nvPr>
@@ -9687,7 +9719,29 @@
                           <a:ea typeface="+mn-ea"/>
                           <a:cs typeface="+mn-cs"/>
                         </a:rPr>
-                        <a:t>版本，不同测试手中的开关机状态不同；</a:t>
+                        <a:t>版本，不同</a:t>
+                      </a:r>
+                      <a:r>
+                        <a:rPr lang="zh-CN" altLang="en-US" sz="1400" kern="1200" dirty="0" smtClean="0">
+                          <a:solidFill>
+                            <a:srgbClr val="FF0000"/>
+                          </a:solidFill>
+                          <a:latin typeface="+mn-lt"/>
+                          <a:ea typeface="+mn-ea"/>
+                          <a:cs typeface="+mn-cs"/>
+                        </a:rPr>
+                        <a:t>测试人员的单板开</a:t>
+                      </a:r>
+                      <a:r>
+                        <a:rPr lang="zh-CN" altLang="en-US" sz="1400" kern="1200" dirty="0" smtClean="0">
+                          <a:solidFill>
+                            <a:srgbClr val="FF0000"/>
+                          </a:solidFill>
+                          <a:latin typeface="+mn-lt"/>
+                          <a:ea typeface="+mn-ea"/>
+                          <a:cs typeface="+mn-cs"/>
+                        </a:rPr>
+                        <a:t>关机状态不同；</a:t>
                       </a:r>
                       <a:endParaRPr lang="en-US" altLang="zh-CN" sz="1400" kern="1200" dirty="0" smtClean="0">
                         <a:solidFill>
@@ -9748,7 +9802,7 @@
           <p:cNvPr id="7" name="文本框 6">
             <a:extLst>
               <a:ext uri="{FF2B5EF4-FFF2-40B4-BE49-F238E27FC236}">
-                <a16:creationId xmlns="" xmlns:a16="http://schemas.microsoft.com/office/drawing/2014/main" id="{2BC0A0A8-0C9C-2D51-D930-A3AB6D1663CB}"/>
+                <a16:creationId xmlns:a16="http://schemas.microsoft.com/office/drawing/2014/main" xmlns="" id="{2BC0A0A8-0C9C-2D51-D930-A3AB6D1663CB}"/>
               </a:ext>
             </a:extLst>
           </p:cNvPr>
@@ -9854,7 +9908,7 @@
         <p:cNvPr id="1" name="">
           <a:extLst>
             <a:ext uri="{FF2B5EF4-FFF2-40B4-BE49-F238E27FC236}">
-              <a16:creationId xmlns="" xmlns:a16="http://schemas.microsoft.com/office/drawing/2014/main" id="{441C1419-120D-DC1F-C21A-56303716ED90}"/>
+              <a16:creationId xmlns:a16="http://schemas.microsoft.com/office/drawing/2014/main" xmlns="" id="{441C1419-120D-DC1F-C21A-56303716ED90}"/>
             </a:ext>
           </a:extLst>
         </p:cNvPr>
@@ -9874,7 +9928,7 @@
           <p:cNvPr id="8" name="标题 1">
             <a:extLst>
               <a:ext uri="{FF2B5EF4-FFF2-40B4-BE49-F238E27FC236}">
-                <a16:creationId xmlns="" xmlns:a16="http://schemas.microsoft.com/office/drawing/2014/main" id="{BF62F1C8-BD5E-AB89-0E19-C79DD8E1455D}"/>
+                <a16:creationId xmlns:a16="http://schemas.microsoft.com/office/drawing/2014/main" xmlns="" id="{BF62F1C8-BD5E-AB89-0E19-C79DD8E1455D}"/>
               </a:ext>
             </a:extLst>
           </p:cNvPr>
@@ -10701,7 +10755,7 @@
           <p:cNvPr id="4" name="文本框 3">
             <a:extLst>
               <a:ext uri="{FF2B5EF4-FFF2-40B4-BE49-F238E27FC236}">
-                <a16:creationId xmlns="" xmlns:a16="http://schemas.microsoft.com/office/drawing/2014/main" id="{2BC0A0A8-0C9C-2D51-D930-A3AB6D1663CB}"/>
+                <a16:creationId xmlns:a16="http://schemas.microsoft.com/office/drawing/2014/main" xmlns="" id="{2BC0A0A8-0C9C-2D51-D930-A3AB6D1663CB}"/>
               </a:ext>
             </a:extLst>
           </p:cNvPr>
@@ -15544,7 +15598,7 @@
         <p:cNvPr id="1" name="">
           <a:extLst>
             <a:ext uri="{FF2B5EF4-FFF2-40B4-BE49-F238E27FC236}">
-              <a16:creationId xmlns="" xmlns:a16="http://schemas.microsoft.com/office/drawing/2014/main" id="{4167FC13-AE83-0D31-8133-BF00331292B8}"/>
+              <a16:creationId xmlns:a16="http://schemas.microsoft.com/office/drawing/2014/main" xmlns="" id="{4167FC13-AE83-0D31-8133-BF00331292B8}"/>
             </a:ext>
           </a:extLst>
         </p:cNvPr>
@@ -15564,7 +15618,7 @@
           <p:cNvPr id="8" name="标题 1">
             <a:extLst>
               <a:ext uri="{FF2B5EF4-FFF2-40B4-BE49-F238E27FC236}">
-                <a16:creationId xmlns="" xmlns:a16="http://schemas.microsoft.com/office/drawing/2014/main" id="{5B6710D7-1A3C-9C49-E367-73AFDE59579D}"/>
+                <a16:creationId xmlns:a16="http://schemas.microsoft.com/office/drawing/2014/main" xmlns="" id="{5B6710D7-1A3C-9C49-E367-73AFDE59579D}"/>
               </a:ext>
             </a:extLst>
           </p:cNvPr>
@@ -15749,7 +15803,7 @@
           <p:cNvPr id="3" name="图片 2" descr="图示, 示意图&#10;&#10;AI 生成的内容可能不正确。">
             <a:extLst>
               <a:ext uri="{FF2B5EF4-FFF2-40B4-BE49-F238E27FC236}">
-                <a16:creationId xmlns="" xmlns:a16="http://schemas.microsoft.com/office/drawing/2014/main" id="{071990E3-1218-34A2-BEFE-1F826A711DE7}"/>
+                <a16:creationId xmlns:a16="http://schemas.microsoft.com/office/drawing/2014/main" xmlns="" id="{071990E3-1218-34A2-BEFE-1F826A711DE7}"/>
               </a:ext>
             </a:extLst>
           </p:cNvPr>
@@ -15779,7 +15833,7 @@
           <p:cNvPr id="5" name="直接连接符 4">
             <a:extLst>
               <a:ext uri="{FF2B5EF4-FFF2-40B4-BE49-F238E27FC236}">
-                <a16:creationId xmlns="" xmlns:a16="http://schemas.microsoft.com/office/drawing/2014/main" id="{7BECF130-A785-D356-EA8A-F3280894CAC1}"/>
+                <a16:creationId xmlns:a16="http://schemas.microsoft.com/office/drawing/2014/main" xmlns="" id="{7BECF130-A785-D356-EA8A-F3280894CAC1}"/>
               </a:ext>
             </a:extLst>
           </p:cNvPr>
@@ -15826,7 +15880,7 @@
           <p:cNvPr id="10" name="矩形 9">
             <a:extLst>
               <a:ext uri="{FF2B5EF4-FFF2-40B4-BE49-F238E27FC236}">
-                <a16:creationId xmlns="" xmlns:a16="http://schemas.microsoft.com/office/drawing/2014/main" id="{50131B96-1067-AAC2-2D75-9FD20C3217AA}"/>
+                <a16:creationId xmlns:a16="http://schemas.microsoft.com/office/drawing/2014/main" xmlns="" id="{50131B96-1067-AAC2-2D75-9FD20C3217AA}"/>
               </a:ext>
             </a:extLst>
           </p:cNvPr>
@@ -17238,7 +17292,7 @@
           <p:cNvPr id="6" name="文本框 5">
             <a:extLst>
               <a:ext uri="{FF2B5EF4-FFF2-40B4-BE49-F238E27FC236}">
-                <a16:creationId xmlns="" xmlns:a16="http://schemas.microsoft.com/office/drawing/2014/main" id="{2BC0A0A8-0C9C-2D51-D930-A3AB6D1663CB}"/>
+                <a16:creationId xmlns:a16="http://schemas.microsoft.com/office/drawing/2014/main" xmlns="" id="{2BC0A0A8-0C9C-2D51-D930-A3AB6D1663CB}"/>
               </a:ext>
             </a:extLst>
           </p:cNvPr>
@@ -17333,7 +17387,7 @@
         <p:cNvPr id="1" name="">
           <a:extLst>
             <a:ext uri="{FF2B5EF4-FFF2-40B4-BE49-F238E27FC236}">
-              <a16:creationId xmlns="" xmlns:a16="http://schemas.microsoft.com/office/drawing/2014/main" id="{40A3AE70-9581-A6CE-FB57-D606A42AA9C4}"/>
+              <a16:creationId xmlns:a16="http://schemas.microsoft.com/office/drawing/2014/main" xmlns="" id="{40A3AE70-9581-A6CE-FB57-D606A42AA9C4}"/>
             </a:ext>
           </a:extLst>
         </p:cNvPr>
@@ -17353,7 +17407,7 @@
           <p:cNvPr id="8" name="标题 1">
             <a:extLst>
               <a:ext uri="{FF2B5EF4-FFF2-40B4-BE49-F238E27FC236}">
-                <a16:creationId xmlns="" xmlns:a16="http://schemas.microsoft.com/office/drawing/2014/main" id="{2025E29C-3DB3-4716-0C1D-D211000B0971}"/>
+                <a16:creationId xmlns:a16="http://schemas.microsoft.com/office/drawing/2014/main" xmlns="" id="{2025E29C-3DB3-4716-0C1D-D211000B0971}"/>
               </a:ext>
             </a:extLst>
           </p:cNvPr>
@@ -17533,7 +17587,7 @@
           <p:cNvPr id="11" name="文本框 10">
             <a:extLst>
               <a:ext uri="{FF2B5EF4-FFF2-40B4-BE49-F238E27FC236}">
-                <a16:creationId xmlns="" xmlns:a16="http://schemas.microsoft.com/office/drawing/2014/main" id="{2BC0A0A8-0C9C-2D51-D930-A3AB6D1663CB}"/>
+                <a16:creationId xmlns:a16="http://schemas.microsoft.com/office/drawing/2014/main" xmlns="" id="{2BC0A0A8-0C9C-2D51-D930-A3AB6D1663CB}"/>
               </a:ext>
             </a:extLst>
           </p:cNvPr>
@@ -17606,7 +17660,7 @@
           <p:cNvPr id="5" name="直接连接符 4">
             <a:extLst>
               <a:ext uri="{FF2B5EF4-FFF2-40B4-BE49-F238E27FC236}">
-                <a16:creationId xmlns="" xmlns:a16="http://schemas.microsoft.com/office/drawing/2014/main" id="{51869E89-D624-D4A4-243B-3799A8F546CB}"/>
+                <a16:creationId xmlns:a16="http://schemas.microsoft.com/office/drawing/2014/main" xmlns="" id="{51869E89-D624-D4A4-243B-3799A8F546CB}"/>
               </a:ext>
             </a:extLst>
           </p:cNvPr>
@@ -17653,7 +17707,7 @@
           <p:cNvPr id="10" name="矩形 9">
             <a:extLst>
               <a:ext uri="{FF2B5EF4-FFF2-40B4-BE49-F238E27FC236}">
-                <a16:creationId xmlns="" xmlns:a16="http://schemas.microsoft.com/office/drawing/2014/main" id="{57A52783-686B-AA09-B339-0D77F83E901E}"/>
+                <a16:creationId xmlns:a16="http://schemas.microsoft.com/office/drawing/2014/main" xmlns="" id="{57A52783-686B-AA09-B339-0D77F83E901E}"/>
               </a:ext>
             </a:extLst>
           </p:cNvPr>
@@ -18111,7 +18165,7 @@
           <p:cNvPr id="2" name="图片 1">
             <a:extLst>
               <a:ext uri="{FF2B5EF4-FFF2-40B4-BE49-F238E27FC236}">
-                <a16:creationId xmlns="" xmlns:a16="http://schemas.microsoft.com/office/drawing/2014/main" id="{95028011-DBC2-C3EA-C248-CED458F0CD95}"/>
+                <a16:creationId xmlns:a16="http://schemas.microsoft.com/office/drawing/2014/main" xmlns="" id="{95028011-DBC2-C3EA-C248-CED458F0CD95}"/>
               </a:ext>
             </a:extLst>
           </p:cNvPr>
@@ -18165,7 +18219,7 @@
         <p:cNvPr id="1" name="">
           <a:extLst>
             <a:ext uri="{FF2B5EF4-FFF2-40B4-BE49-F238E27FC236}">
-              <a16:creationId xmlns="" xmlns:a16="http://schemas.microsoft.com/office/drawing/2014/main" id="{AC470C7D-3446-8BFD-D29C-E5CB50161FF3}"/>
+              <a16:creationId xmlns:a16="http://schemas.microsoft.com/office/drawing/2014/main" xmlns="" id="{AC470C7D-3446-8BFD-D29C-E5CB50161FF3}"/>
             </a:ext>
           </a:extLst>
         </p:cNvPr>
@@ -18185,7 +18239,7 @@
           <p:cNvPr id="8" name="标题 1">
             <a:extLst>
               <a:ext uri="{FF2B5EF4-FFF2-40B4-BE49-F238E27FC236}">
-                <a16:creationId xmlns="" xmlns:a16="http://schemas.microsoft.com/office/drawing/2014/main" id="{60CB0C96-0DF0-A989-5C0A-E938908FA0B2}"/>
+                <a16:creationId xmlns:a16="http://schemas.microsoft.com/office/drawing/2014/main" xmlns="" id="{60CB0C96-0DF0-A989-5C0A-E938908FA0B2}"/>
               </a:ext>
             </a:extLst>
           </p:cNvPr>
@@ -18382,7 +18436,7 @@
           <p:cNvPr id="5" name="直接连接符 4">
             <a:extLst>
               <a:ext uri="{FF2B5EF4-FFF2-40B4-BE49-F238E27FC236}">
-                <a16:creationId xmlns="" xmlns:a16="http://schemas.microsoft.com/office/drawing/2014/main" id="{3F612B68-85B8-D7DF-6FDF-9FA88DD78519}"/>
+                <a16:creationId xmlns:a16="http://schemas.microsoft.com/office/drawing/2014/main" xmlns="" id="{3F612B68-85B8-D7DF-6FDF-9FA88DD78519}"/>
               </a:ext>
             </a:extLst>
           </p:cNvPr>
@@ -18429,7 +18483,7 @@
           <p:cNvPr id="9" name="图片 8">
             <a:extLst>
               <a:ext uri="{FF2B5EF4-FFF2-40B4-BE49-F238E27FC236}">
-                <a16:creationId xmlns="" xmlns:a16="http://schemas.microsoft.com/office/drawing/2014/main" id="{B0EB4A4D-84ED-949C-02A8-C65834402CE1}"/>
+                <a16:creationId xmlns:a16="http://schemas.microsoft.com/office/drawing/2014/main" xmlns="" id="{B0EB4A4D-84ED-949C-02A8-C65834402CE1}"/>
               </a:ext>
             </a:extLst>
           </p:cNvPr>
@@ -18465,7 +18519,7 @@
           <p:cNvPr id="2" name="矩形 1">
             <a:extLst>
               <a:ext uri="{FF2B5EF4-FFF2-40B4-BE49-F238E27FC236}">
-                <a16:creationId xmlns="" xmlns:a16="http://schemas.microsoft.com/office/drawing/2014/main" id="{55DDFED4-781E-9C16-ABE1-1F823FA2EE35}"/>
+                <a16:creationId xmlns:a16="http://schemas.microsoft.com/office/drawing/2014/main" xmlns="" id="{55DDFED4-781E-9C16-ABE1-1F823FA2EE35}"/>
               </a:ext>
             </a:extLst>
           </p:cNvPr>
@@ -20250,7 +20304,7 @@
           <p:cNvPr id="13" name="图片 12">
             <a:extLst>
               <a:ext uri="{FF2B5EF4-FFF2-40B4-BE49-F238E27FC236}">
-                <a16:creationId xmlns="" xmlns:a16="http://schemas.microsoft.com/office/drawing/2014/main" id="{1AE1DFCD-1015-3C95-9646-7FC96E54976F}"/>
+                <a16:creationId xmlns:a16="http://schemas.microsoft.com/office/drawing/2014/main" xmlns="" id="{1AE1DFCD-1015-3C95-9646-7FC96E54976F}"/>
               </a:ext>
             </a:extLst>
           </p:cNvPr>
@@ -20280,7 +20334,7 @@
           <p:cNvPr id="7" name="文本框 6">
             <a:extLst>
               <a:ext uri="{FF2B5EF4-FFF2-40B4-BE49-F238E27FC236}">
-                <a16:creationId xmlns="" xmlns:a16="http://schemas.microsoft.com/office/drawing/2014/main" id="{2BC0A0A8-0C9C-2D51-D930-A3AB6D1663CB}"/>
+                <a16:creationId xmlns:a16="http://schemas.microsoft.com/office/drawing/2014/main" xmlns="" id="{2BC0A0A8-0C9C-2D51-D930-A3AB6D1663CB}"/>
               </a:ext>
             </a:extLst>
           </p:cNvPr>

--- a/转正申请与总结-祝明杰.pptx
+++ b/转正申请与总结-祝明杰.pptx
@@ -213,7 +213,7 @@
           <a:p>
             <a:fld id="{7AB1A718-2EF3-4FEF-9652-7CA90B1F98E5}" type="datetimeFigureOut">
               <a:rPr lang="zh-CN" altLang="en-US" smtClean="0"/>
-              <a:t>2026/1/27</a:t>
+              <a:t>2026/1/28</a:t>
             </a:fld>
             <a:endParaRPr lang="zh-CN" altLang="en-US"/>
           </a:p>
@@ -632,7 +632,7 @@
           </a:ln>
           <a:extLst>
             <a:ext uri="{91240B29-F687-4f45-9708-019B960494DF}">
-              <a14:hiddenLine xmlns:a14="http://schemas.microsoft.com/office/drawing/2010/main" xmlns="" w="9525">
+              <a14:hiddenLine xmlns="" xmlns:a14="http://schemas.microsoft.com/office/drawing/2010/main" w="9525">
                 <a:solidFill>
                   <a:srgbClr val="000000"/>
                 </a:solidFill>
@@ -756,7 +756,7 @@
           </a:ln>
           <a:extLst>
             <a:ext uri="{91240B29-F687-4f45-9708-019B960494DF}">
-              <a14:hiddenLine xmlns:a14="http://schemas.microsoft.com/office/drawing/2010/main" xmlns="" w="9525">
+              <a14:hiddenLine xmlns="" xmlns:a14="http://schemas.microsoft.com/office/drawing/2010/main" w="9525">
                 <a:solidFill>
                   <a:srgbClr val="000000"/>
                 </a:solidFill>
@@ -978,7 +978,7 @@
           <p:cNvPr id="24" name="矩形 23">
             <a:extLst>
               <a:ext uri="{FF2B5EF4-FFF2-40B4-BE49-F238E27FC236}">
-                <a16:creationId xmlns:a16="http://schemas.microsoft.com/office/drawing/2014/main" xmlns="" id="{6286DD0E-0F20-4F4E-8533-FFE05262B0DD}"/>
+                <a16:creationId xmlns="" xmlns:a16="http://schemas.microsoft.com/office/drawing/2014/main" id="{6286DD0E-0F20-4F4E-8533-FFE05262B0DD}"/>
               </a:ext>
             </a:extLst>
           </p:cNvPr>
@@ -1037,7 +1037,7 @@
           <p:cNvPr id="7" name="图片 6">
             <a:extLst>
               <a:ext uri="{FF2B5EF4-FFF2-40B4-BE49-F238E27FC236}">
-                <a16:creationId xmlns:a16="http://schemas.microsoft.com/office/drawing/2014/main" xmlns="" id="{8971FE5F-7AB6-45F2-A091-D2F0246940EE}"/>
+                <a16:creationId xmlns="" xmlns:a16="http://schemas.microsoft.com/office/drawing/2014/main" id="{8971FE5F-7AB6-45F2-A091-D2F0246940EE}"/>
               </a:ext>
             </a:extLst>
           </p:cNvPr>
@@ -1169,7 +1169,7 @@
           </a:ln>
           <a:extLst>
             <a:ext uri="{91240B29-F687-4f45-9708-019B960494DF}">
-              <a14:hiddenLine xmlns:a14="http://schemas.microsoft.com/office/drawing/2010/main" xmlns="" w="9525">
+              <a14:hiddenLine xmlns="" xmlns:a14="http://schemas.microsoft.com/office/drawing/2010/main" w="9525">
                 <a:solidFill>
                   <a:srgbClr val="000000"/>
                 </a:solidFill>
@@ -1309,7 +1309,7 @@
                   <a:spcPct val="0"/>
                 </a:spcAft>
               </a:pPr>
-              <a:t>2026/1/27</a:t>
+              <a:t>2026/1/28</a:t>
             </a:fld>
             <a:endParaRPr lang="zh-CN" altLang="en-US">
               <a:solidFill>
@@ -2842,7 +2842,7 @@
         <p:cNvPr id="1" name="">
           <a:extLst>
             <a:ext uri="{FF2B5EF4-FFF2-40B4-BE49-F238E27FC236}">
-              <a16:creationId xmlns:a16="http://schemas.microsoft.com/office/drawing/2014/main" xmlns="" id="{42857366-A2DB-824A-4A7A-8A567416A5B9}"/>
+              <a16:creationId xmlns="" xmlns:a16="http://schemas.microsoft.com/office/drawing/2014/main" id="{42857366-A2DB-824A-4A7A-8A567416A5B9}"/>
             </a:ext>
           </a:extLst>
         </p:cNvPr>
@@ -2862,7 +2862,7 @@
           <p:cNvPr id="8" name="标题 1">
             <a:extLst>
               <a:ext uri="{FF2B5EF4-FFF2-40B4-BE49-F238E27FC236}">
-                <a16:creationId xmlns:a16="http://schemas.microsoft.com/office/drawing/2014/main" xmlns="" id="{247A6696-938F-F67A-BBEE-C75173CF3637}"/>
+                <a16:creationId xmlns="" xmlns:a16="http://schemas.microsoft.com/office/drawing/2014/main" id="{247A6696-938F-F67A-BBEE-C75173CF3637}"/>
               </a:ext>
             </a:extLst>
           </p:cNvPr>
@@ -3076,7 +3076,7 @@
           <p:cNvPr id="5" name="直接连接符 4">
             <a:extLst>
               <a:ext uri="{FF2B5EF4-FFF2-40B4-BE49-F238E27FC236}">
-                <a16:creationId xmlns:a16="http://schemas.microsoft.com/office/drawing/2014/main" xmlns="" id="{0F6A4A75-C2EE-20C3-81C0-5D6D016275CF}"/>
+                <a16:creationId xmlns="" xmlns:a16="http://schemas.microsoft.com/office/drawing/2014/main" id="{0F6A4A75-C2EE-20C3-81C0-5D6D016275CF}"/>
               </a:ext>
             </a:extLst>
           </p:cNvPr>
@@ -3123,7 +3123,7 @@
           <p:cNvPr id="2" name="矩形 1">
             <a:extLst>
               <a:ext uri="{FF2B5EF4-FFF2-40B4-BE49-F238E27FC236}">
-                <a16:creationId xmlns:a16="http://schemas.microsoft.com/office/drawing/2014/main" xmlns="" id="{7A80F02A-C8A0-6123-33BC-4C338141368D}"/>
+                <a16:creationId xmlns="" xmlns:a16="http://schemas.microsoft.com/office/drawing/2014/main" id="{7A80F02A-C8A0-6123-33BC-4C338141368D}"/>
               </a:ext>
             </a:extLst>
           </p:cNvPr>
@@ -3132,8 +3132,8 @@
         </p:nvSpPr>
         <p:spPr>
           <a:xfrm>
-            <a:off x="365760" y="1492181"/>
-            <a:ext cx="5934492" cy="5078313"/>
+            <a:off x="365760" y="1387677"/>
+            <a:ext cx="5934492" cy="5262979"/>
           </a:xfrm>
           <a:prstGeom prst="rect">
             <a:avLst/>
@@ -3606,6 +3606,15 @@
               </a:rPr>
               <a:t>ST_ERROR</a:t>
             </a:r>
+            <a:r>
+              <a:rPr lang="zh-CN" altLang="en-US" sz="1200" dirty="0">
+                <a:latin typeface="微软雅黑" panose="020B0503020204020204" pitchFamily="34" charset="-122"/>
+                <a:ea typeface="微软雅黑" panose="020B0503020204020204" pitchFamily="34" charset="-122"/>
+              </a:rPr>
+              <a:t>错误态</a:t>
+            </a:r>
+          </a:p>
+          <a:p>
             <a:endParaRPr lang="en-US" altLang="zh-CN" sz="1200" dirty="0" smtClean="0">
               <a:latin typeface="微软雅黑" panose="020B0503020204020204" pitchFamily="34" charset="-122"/>
               <a:ea typeface="微软雅黑" panose="020B0503020204020204" pitchFamily="34" charset="-122"/>
@@ -3956,11 +3965,32 @@
               <a:t>master_fub</a:t>
             </a:r>
             <a:r>
+              <a:rPr lang="zh-CN" altLang="en-US" sz="1200" dirty="0" smtClean="0">
+                <a:latin typeface="微软雅黑" panose="020B0503020204020204" pitchFamily="34" charset="-122"/>
+                <a:ea typeface="微软雅黑" panose="020B0503020204020204" pitchFamily="34" charset="-122"/>
+              </a:rPr>
+              <a:t>进入</a:t>
+            </a:r>
+            <a:r>
+              <a:rPr lang="en-US" altLang="zh-CN" sz="1200" dirty="0" err="1" smtClean="0">
+                <a:latin typeface="微软雅黑" panose="020B0503020204020204" pitchFamily="34" charset="-122"/>
+                <a:ea typeface="微软雅黑" panose="020B0503020204020204" pitchFamily="34" charset="-122"/>
+              </a:rPr>
+              <a:t>ST_ERROR</a:t>
+            </a:r>
+            <a:r>
+              <a:rPr lang="zh-CN" altLang="en-US" sz="1200" dirty="0" smtClean="0">
+                <a:latin typeface="微软雅黑" panose="020B0503020204020204" pitchFamily="34" charset="-122"/>
+                <a:ea typeface="微软雅黑" panose="020B0503020204020204" pitchFamily="34" charset="-122"/>
+              </a:rPr>
+              <a:t>错误</a:t>
+            </a:r>
+            <a:r>
               <a:rPr lang="zh-CN" altLang="en-US" sz="1200" dirty="0">
                 <a:latin typeface="微软雅黑" panose="020B0503020204020204" pitchFamily="34" charset="-122"/>
                 <a:ea typeface="微软雅黑" panose="020B0503020204020204" pitchFamily="34" charset="-122"/>
               </a:rPr>
-              <a:t>进入错误态</a:t>
+              <a:t>态</a:t>
             </a:r>
           </a:p>
           <a:p>
@@ -3976,7 +4006,7 @@
           <p:cNvPr id="4" name="图片 3">
             <a:extLst>
               <a:ext uri="{FF2B5EF4-FFF2-40B4-BE49-F238E27FC236}">
-                <a16:creationId xmlns:a16="http://schemas.microsoft.com/office/drawing/2014/main" xmlns="" id="{1D389CD6-E845-3DA2-3ADA-9C0BB02436A2}"/>
+                <a16:creationId xmlns="" xmlns:a16="http://schemas.microsoft.com/office/drawing/2014/main" id="{1D389CD6-E845-3DA2-3ADA-9C0BB02436A2}"/>
               </a:ext>
             </a:extLst>
           </p:cNvPr>
@@ -4006,7 +4036,7 @@
           <p:cNvPr id="6" name="文本框 5">
             <a:extLst>
               <a:ext uri="{FF2B5EF4-FFF2-40B4-BE49-F238E27FC236}">
-                <a16:creationId xmlns:a16="http://schemas.microsoft.com/office/drawing/2014/main" xmlns="" id="{2BC0A0A8-0C9C-2D51-D930-A3AB6D1663CB}"/>
+                <a16:creationId xmlns="" xmlns:a16="http://schemas.microsoft.com/office/drawing/2014/main" id="{2BC0A0A8-0C9C-2D51-D930-A3AB6D1663CB}"/>
               </a:ext>
             </a:extLst>
           </p:cNvPr>
@@ -4143,7 +4173,7 @@
         <p:cNvPr id="1" name="">
           <a:extLst>
             <a:ext uri="{FF2B5EF4-FFF2-40B4-BE49-F238E27FC236}">
-              <a16:creationId xmlns:a16="http://schemas.microsoft.com/office/drawing/2014/main" xmlns="" id="{441C1419-120D-DC1F-C21A-56303716ED90}"/>
+              <a16:creationId xmlns="" xmlns:a16="http://schemas.microsoft.com/office/drawing/2014/main" id="{441C1419-120D-DC1F-C21A-56303716ED90}"/>
             </a:ext>
           </a:extLst>
         </p:cNvPr>
@@ -4163,7 +4193,7 @@
           <p:cNvPr id="8" name="标题 1">
             <a:extLst>
               <a:ext uri="{FF2B5EF4-FFF2-40B4-BE49-F238E27FC236}">
-                <a16:creationId xmlns:a16="http://schemas.microsoft.com/office/drawing/2014/main" xmlns="" id="{BF62F1C8-BD5E-AB89-0E19-C79DD8E1455D}"/>
+                <a16:creationId xmlns="" xmlns:a16="http://schemas.microsoft.com/office/drawing/2014/main" id="{BF62F1C8-BD5E-AB89-0E19-C79DD8E1455D}"/>
               </a:ext>
             </a:extLst>
           </p:cNvPr>
@@ -4362,7 +4392,7 @@
           <p:nvPr>
             <p:extLst>
               <p:ext uri="{D42A27DB-BD31-4B8C-83A1-F6EECF244321}">
-                <p14:modId xmlns:p14="http://schemas.microsoft.com/office/powerpoint/2010/main" val="325673924"/>
+                <p14:modId xmlns:p14="http://schemas.microsoft.com/office/powerpoint/2010/main" val="2569924837"/>
               </p:ext>
             </p:extLst>
           </p:nvPr>
@@ -4891,7 +4921,23 @@
                             <a:schemeClr val="tx1"/>
                           </a:solidFill>
                         </a:rPr>
-                        <a:t>强制上电版本</a:t>
+                        <a:t>强制上电</a:t>
+                      </a:r>
+                      <a:r>
+                        <a:rPr lang="zh-CN" altLang="en-US" sz="1400" b="1" dirty="0" smtClean="0">
+                          <a:solidFill>
+                            <a:schemeClr val="tx1"/>
+                          </a:solidFill>
+                        </a:rPr>
+                        <a:t>版本</a:t>
+                      </a:r>
+                      <a:r>
+                        <a:rPr lang="zh-CN" altLang="en-US" sz="1400" b="0" dirty="0" smtClean="0">
+                          <a:solidFill>
+                            <a:schemeClr val="tx1"/>
+                          </a:solidFill>
+                        </a:rPr>
+                        <a:t>是</a:t>
                       </a:r>
                       <a:r>
                         <a:rPr lang="zh-CN" altLang="en-US" sz="1400" dirty="0" smtClean="0">
@@ -4899,7 +4945,15 @@
                             <a:schemeClr val="tx1"/>
                           </a:solidFill>
                         </a:rPr>
-                        <a:t>对各组电源的</a:t>
+                        <a:t>对</a:t>
+                      </a:r>
+                      <a:r>
+                        <a:rPr lang="zh-CN" altLang="en-US" sz="1400" dirty="0" smtClean="0">
+                          <a:solidFill>
+                            <a:schemeClr val="tx1"/>
+                          </a:solidFill>
+                        </a:rPr>
+                        <a:t>各组电源的</a:t>
                       </a:r>
                       <a:r>
                         <a:rPr lang="en-US" altLang="zh-CN" sz="1400" dirty="0" smtClean="0">
@@ -4915,7 +4969,7 @@
                             <a:schemeClr val="tx1"/>
                           </a:solidFill>
                         </a:rPr>
-                        <a:t>信号写死</a:t>
+                        <a:t>信号写死处理</a:t>
                       </a:r>
                       <a:r>
                         <a:rPr lang="zh-CN" altLang="en-US" sz="1400" dirty="0" smtClean="0">
@@ -4923,7 +4977,7 @@
                             <a:schemeClr val="tx1"/>
                           </a:solidFill>
                         </a:rPr>
-                        <a:t>处理。</a:t>
+                        <a:t>。</a:t>
                       </a:r>
                       <a:r>
                         <a:rPr lang="en-US" altLang="zh-CN" sz="1400" dirty="0" err="1" smtClean="0">
@@ -4939,7 +4993,23 @@
                             <a:schemeClr val="tx1"/>
                           </a:solidFill>
                         </a:rPr>
-                        <a:t>信号未拉高，导致</a:t>
+                        <a:t>信号未拉</a:t>
+                      </a:r>
+                      <a:r>
+                        <a:rPr lang="zh-CN" altLang="en-US" sz="1400" dirty="0" smtClean="0">
+                          <a:solidFill>
+                            <a:schemeClr val="tx1"/>
+                          </a:solidFill>
+                        </a:rPr>
+                        <a:t>高，</a:t>
+                      </a:r>
+                      <a:r>
+                        <a:rPr lang="zh-CN" altLang="en-US" sz="1400" dirty="0" smtClean="0">
+                          <a:solidFill>
+                            <a:schemeClr val="tx1"/>
+                          </a:solidFill>
+                        </a:rPr>
+                        <a:t>导致</a:t>
                       </a:r>
                       <a:r>
                         <a:rPr lang="en-US" altLang="zh-CN" sz="1400" dirty="0" smtClean="0">
@@ -5019,7 +5089,23 @@
                             <a:schemeClr val="tx1"/>
                           </a:solidFill>
                         </a:rPr>
-                        <a:t>组</a:t>
+                        <a:t>组：</a:t>
+                      </a:r>
+                      <a:r>
+                        <a:rPr lang="zh-CN" altLang="en-US" sz="1400" b="1" dirty="0" smtClean="0">
+                          <a:solidFill>
+                            <a:schemeClr val="tx1"/>
+                          </a:solidFill>
+                        </a:rPr>
+                        <a:t>非强制上电版本</a:t>
+                      </a:r>
+                      <a:r>
+                        <a:rPr lang="zh-CN" altLang="en-US" sz="1400" b="0" dirty="0" smtClean="0">
+                          <a:solidFill>
+                            <a:schemeClr val="tx1"/>
+                          </a:solidFill>
+                        </a:rPr>
+                        <a:t>，</a:t>
                       </a:r>
                       <a:r>
                         <a:rPr lang="zh-CN" altLang="en-US" sz="1400" dirty="0" smtClean="0">
@@ -5027,23 +5113,15 @@
                             <a:schemeClr val="tx1"/>
                           </a:solidFill>
                         </a:rPr>
-                        <a:t>：</a:t>
-                      </a:r>
-                      <a:r>
-                        <a:rPr lang="zh-CN" altLang="en-US" sz="1400" b="1" dirty="0" smtClean="0">
-                          <a:solidFill>
-                            <a:schemeClr val="tx1"/>
-                          </a:solidFill>
-                        </a:rPr>
-                        <a:t>非强制上电版本</a:t>
-                      </a:r>
-                      <a:r>
-                        <a:rPr lang="zh-CN" altLang="en-US" sz="1400" b="0" dirty="0" smtClean="0">
-                          <a:solidFill>
-                            <a:schemeClr val="tx1"/>
-                          </a:solidFill>
-                        </a:rPr>
-                        <a:t>，</a:t>
+                        <a:t>某些</a:t>
+                      </a:r>
+                      <a:r>
+                        <a:rPr lang="en-US" altLang="zh-CN" sz="1400" dirty="0" smtClean="0">
+                          <a:solidFill>
+                            <a:schemeClr val="tx1"/>
+                          </a:solidFill>
+                        </a:rPr>
+                        <a:t>EN</a:t>
                       </a:r>
                       <a:r>
                         <a:rPr lang="zh-CN" altLang="en-US" sz="1400" dirty="0" smtClean="0">
@@ -5051,7 +5129,7 @@
                             <a:schemeClr val="tx1"/>
                           </a:solidFill>
                         </a:rPr>
-                        <a:t>某些</a:t>
+                        <a:t>使能对应的</a:t>
                       </a:r>
                       <a:r>
                         <a:rPr lang="en-US" altLang="zh-CN" sz="1400" dirty="0" smtClean="0">
@@ -5059,7 +5137,7 @@
                             <a:schemeClr val="tx1"/>
                           </a:solidFill>
                         </a:rPr>
-                        <a:t>EN</a:t>
+                        <a:t>PG</a:t>
                       </a:r>
                       <a:r>
                         <a:rPr lang="zh-CN" altLang="en-US" sz="1400" dirty="0" smtClean="0">
@@ -5067,15 +5145,7 @@
                             <a:schemeClr val="tx1"/>
                           </a:solidFill>
                         </a:rPr>
-                        <a:t>使能对应的</a:t>
-                      </a:r>
-                      <a:r>
-                        <a:rPr lang="en-US" altLang="zh-CN" sz="1400" dirty="0" smtClean="0">
-                          <a:solidFill>
-                            <a:schemeClr val="tx1"/>
-                          </a:solidFill>
-                        </a:rPr>
-                        <a:t>PG</a:t>
+                        <a:t>信号未接入逻辑</a:t>
                       </a:r>
                       <a:r>
                         <a:rPr lang="zh-CN" altLang="en-US" sz="1400" dirty="0" smtClean="0">
@@ -5083,7 +5153,7 @@
                             <a:schemeClr val="tx1"/>
                           </a:solidFill>
                         </a:rPr>
-                        <a:t>信号未接入逻辑（</a:t>
+                        <a:t>（</a:t>
                       </a:r>
                       <a:r>
                         <a:rPr lang="en-US" altLang="zh-CN" sz="1400" dirty="0" smtClean="0">
@@ -5774,7 +5844,23 @@
                             <a:schemeClr val="tx1"/>
                           </a:solidFill>
                         </a:rPr>
-                        <a:t>）定位问题时，若明确是上下电问题，且单元访问波形没问题时，需要在重要逻辑状态下设置寄存器或者抓包查看。</a:t>
+                        <a:t>）定位问题时，若明确是上下电问题，且</a:t>
+                      </a:r>
+                      <a:r>
+                        <a:rPr lang="zh-CN" altLang="en-US" sz="1400" dirty="0" smtClean="0">
+                          <a:solidFill>
+                            <a:schemeClr val="tx1"/>
+                          </a:solidFill>
+                        </a:rPr>
+                        <a:t>单元仿真波形</a:t>
+                      </a:r>
+                      <a:r>
+                        <a:rPr lang="zh-CN" altLang="en-US" sz="1400" dirty="0" smtClean="0">
+                          <a:solidFill>
+                            <a:schemeClr val="tx1"/>
+                          </a:solidFill>
+                        </a:rPr>
+                        <a:t>没问题时，需要在重要逻辑状态下设置寄存器或者抓包查看。</a:t>
                       </a:r>
                       <a:endParaRPr lang="en-US" altLang="zh-CN" sz="1400" dirty="0" smtClean="0">
                         <a:solidFill>
@@ -5806,7 +5892,39 @@
                             <a:schemeClr val="tx1"/>
                           </a:solidFill>
                         </a:rPr>
-                        <a:t>）定位时首先在哪个跳转分支上，再结合跳转条件分析问题。</a:t>
+                        <a:t>）定位时</a:t>
+                      </a:r>
+                      <a:r>
+                        <a:rPr lang="zh-CN" altLang="en-US" sz="1400" dirty="0" smtClean="0">
+                          <a:solidFill>
+                            <a:schemeClr val="tx1"/>
+                          </a:solidFill>
+                        </a:rPr>
+                        <a:t>首先判断出错的跳</a:t>
+                      </a:r>
+                      <a:r>
+                        <a:rPr lang="zh-CN" altLang="en-US" sz="1400" dirty="0" smtClean="0">
+                          <a:solidFill>
+                            <a:schemeClr val="tx1"/>
+                          </a:solidFill>
+                        </a:rPr>
+                        <a:t>转</a:t>
+                      </a:r>
+                      <a:r>
+                        <a:rPr lang="zh-CN" altLang="en-US" sz="1400" dirty="0" smtClean="0">
+                          <a:solidFill>
+                            <a:schemeClr val="tx1"/>
+                          </a:solidFill>
+                        </a:rPr>
+                        <a:t>分支，</a:t>
+                      </a:r>
+                      <a:r>
+                        <a:rPr lang="zh-CN" altLang="en-US" sz="1400" dirty="0" smtClean="0">
+                          <a:solidFill>
+                            <a:schemeClr val="tx1"/>
+                          </a:solidFill>
+                        </a:rPr>
+                        <a:t>再结合跳转条件分析问题。</a:t>
                       </a:r>
                     </a:p>
                   </a:txBody>
@@ -6245,7 +6363,7 @@
           <p:cNvPr id="4" name="文本框 3">
             <a:extLst>
               <a:ext uri="{FF2B5EF4-FFF2-40B4-BE49-F238E27FC236}">
-                <a16:creationId xmlns:a16="http://schemas.microsoft.com/office/drawing/2014/main" xmlns="" id="{2BC0A0A8-0C9C-2D51-D930-A3AB6D1663CB}"/>
+                <a16:creationId xmlns="" xmlns:a16="http://schemas.microsoft.com/office/drawing/2014/main" id="{2BC0A0A8-0C9C-2D51-D930-A3AB6D1663CB}"/>
               </a:ext>
             </a:extLst>
           </p:cNvPr>
@@ -6348,7 +6466,7 @@
         <p:cNvPr id="1" name="">
           <a:extLst>
             <a:ext uri="{FF2B5EF4-FFF2-40B4-BE49-F238E27FC236}">
-              <a16:creationId xmlns:a16="http://schemas.microsoft.com/office/drawing/2014/main" xmlns="" id="{441C1419-120D-DC1F-C21A-56303716ED90}"/>
+              <a16:creationId xmlns="" xmlns:a16="http://schemas.microsoft.com/office/drawing/2014/main" id="{441C1419-120D-DC1F-C21A-56303716ED90}"/>
             </a:ext>
           </a:extLst>
         </p:cNvPr>
@@ -6368,7 +6486,7 @@
           <p:cNvPr id="8" name="标题 1">
             <a:extLst>
               <a:ext uri="{FF2B5EF4-FFF2-40B4-BE49-F238E27FC236}">
-                <a16:creationId xmlns:a16="http://schemas.microsoft.com/office/drawing/2014/main" xmlns="" id="{BF62F1C8-BD5E-AB89-0E19-C79DD8E1455D}"/>
+                <a16:creationId xmlns="" xmlns:a16="http://schemas.microsoft.com/office/drawing/2014/main" id="{BF62F1C8-BD5E-AB89-0E19-C79DD8E1455D}"/>
               </a:ext>
             </a:extLst>
           </p:cNvPr>
@@ -6567,7 +6685,7 @@
           <p:nvPr>
             <p:extLst>
               <p:ext uri="{D42A27DB-BD31-4B8C-83A1-F6EECF244321}">
-                <p14:modId xmlns:p14="http://schemas.microsoft.com/office/powerpoint/2010/main" val="3531555329"/>
+                <p14:modId xmlns:p14="http://schemas.microsoft.com/office/powerpoint/2010/main" val="2103275781"/>
               </p:ext>
             </p:extLst>
           </p:nvPr>
@@ -7794,7 +7912,15 @@
                             <a:schemeClr val="tx1"/>
                           </a:solidFill>
                         </a:rPr>
-                        <a:t>中是否确实</a:t>
+                        <a:t>中</a:t>
+                      </a:r>
+                      <a:r>
+                        <a:rPr lang="zh-CN" altLang="en-US" sz="1400" dirty="0" smtClean="0">
+                          <a:solidFill>
+                            <a:schemeClr val="tx1"/>
+                          </a:solidFill>
+                        </a:rPr>
+                        <a:t>是否遗漏</a:t>
                       </a:r>
                       <a:r>
                         <a:rPr lang="en-US" altLang="zh-CN" sz="1400" dirty="0" smtClean="0">
@@ -7890,23 +8016,15 @@
                             <a:schemeClr val="tx1"/>
                           </a:solidFill>
                         </a:rPr>
-                        <a:t>；</a:t>
-                      </a:r>
-                      <a:endParaRPr lang="en-US" altLang="zh-CN" sz="1400" dirty="0" smtClean="0">
-                        <a:solidFill>
-                          <a:schemeClr val="tx1"/>
-                        </a:solidFill>
-                      </a:endParaRPr>
-                    </a:p>
-                    <a:p>
-                      <a:pPr algn="l"/>
+                        <a:t>；其他</a:t>
+                      </a:r>
                       <a:r>
                         <a:rPr lang="zh-CN" altLang="en-US" sz="1400" dirty="0" smtClean="0">
                           <a:solidFill>
                             <a:schemeClr val="tx1"/>
                           </a:solidFill>
                         </a:rPr>
-                        <a:t>其他信号扇出高时，打拍复制使用；</a:t>
+                        <a:t>信号扇出高时，打拍复制使用；</a:t>
                       </a:r>
                       <a:endParaRPr lang="en-US" altLang="zh-CN" sz="1400" dirty="0" smtClean="0">
                         <a:solidFill>
@@ -8012,7 +8130,7 @@
           <p:cNvPr id="4" name="文本框 3">
             <a:extLst>
               <a:ext uri="{FF2B5EF4-FFF2-40B4-BE49-F238E27FC236}">
-                <a16:creationId xmlns:a16="http://schemas.microsoft.com/office/drawing/2014/main" xmlns="" id="{2BC0A0A8-0C9C-2D51-D930-A3AB6D1663CB}"/>
+                <a16:creationId xmlns="" xmlns:a16="http://schemas.microsoft.com/office/drawing/2014/main" id="{2BC0A0A8-0C9C-2D51-D930-A3AB6D1663CB}"/>
               </a:ext>
             </a:extLst>
           </p:cNvPr>
@@ -8115,7 +8233,7 @@
         <p:cNvPr id="1" name="">
           <a:extLst>
             <a:ext uri="{FF2B5EF4-FFF2-40B4-BE49-F238E27FC236}">
-              <a16:creationId xmlns:a16="http://schemas.microsoft.com/office/drawing/2014/main" xmlns="" id="{4167FC13-AE83-0D31-8133-BF00331292B8}"/>
+              <a16:creationId xmlns="" xmlns:a16="http://schemas.microsoft.com/office/drawing/2014/main" id="{4167FC13-AE83-0D31-8133-BF00331292B8}"/>
             </a:ext>
           </a:extLst>
         </p:cNvPr>
@@ -8135,7 +8253,7 @@
           <p:cNvPr id="8" name="标题 1">
             <a:extLst>
               <a:ext uri="{FF2B5EF4-FFF2-40B4-BE49-F238E27FC236}">
-                <a16:creationId xmlns:a16="http://schemas.microsoft.com/office/drawing/2014/main" xmlns="" id="{5B6710D7-1A3C-9C49-E367-73AFDE59579D}"/>
+                <a16:creationId xmlns="" xmlns:a16="http://schemas.microsoft.com/office/drawing/2014/main" id="{5B6710D7-1A3C-9C49-E367-73AFDE59579D}"/>
               </a:ext>
             </a:extLst>
           </p:cNvPr>
@@ -8285,14 +8403,14 @@
           <p:nvPr>
             <p:extLst>
               <p:ext uri="{D42A27DB-BD31-4B8C-83A1-F6EECF244321}">
-                <p14:modId xmlns:p14="http://schemas.microsoft.com/office/powerpoint/2010/main" val="294749132"/>
+                <p14:modId xmlns:p14="http://schemas.microsoft.com/office/powerpoint/2010/main" val="126071491"/>
               </p:ext>
             </p:extLst>
           </p:nvPr>
         </p:nvGraphicFramePr>
         <p:xfrm>
-          <a:off x="527260" y="1601617"/>
-          <a:ext cx="11418388" cy="3855720"/>
+          <a:off x="527260" y="1588554"/>
+          <a:ext cx="11320751" cy="3703320"/>
         </p:xfrm>
         <a:graphic>
           <a:graphicData uri="http://schemas.openxmlformats.org/drawingml/2006/table">
@@ -8301,7 +8419,7 @@
                 <a:tableStyleId>{5C22544A-7EE6-4342-B048-85BDC9FD1C3A}</a:tableStyleId>
               </a:tblPr>
               <a:tblGrid>
-                <a:gridCol w="11418388"/>
+                <a:gridCol w="11320751"/>
               </a:tblGrid>
               <a:tr h="370840">
                 <a:tc>
@@ -8311,13 +8429,26 @@
                     <a:p>
                       <a:pPr algn="ctr"/>
                       <a:r>
-                        <a:rPr lang="zh-CN" altLang="en-US" sz="1400" dirty="0" smtClean="0">
-                          <a:solidFill>
-                            <a:schemeClr val="tx1"/>
-                          </a:solidFill>
-                        </a:rPr>
-                        <a:t>需求维护</a:t>
-                      </a:r>
+                        <a:rPr lang="zh-CN" altLang="en-US" sz="1400" smtClean="0">
+                          <a:solidFill>
+                            <a:schemeClr val="tx1"/>
+                          </a:solidFill>
+                        </a:rPr>
+                        <a:t>需求</a:t>
+                      </a:r>
+                      <a:r>
+                        <a:rPr lang="zh-CN" altLang="en-US" sz="1400" smtClean="0">
+                          <a:solidFill>
+                            <a:schemeClr val="tx1"/>
+                          </a:solidFill>
+                        </a:rPr>
+                        <a:t>维护</a:t>
+                      </a:r>
+                      <a:endParaRPr lang="zh-CN" altLang="en-US" sz="1400" dirty="0" smtClean="0">
+                        <a:solidFill>
+                          <a:schemeClr val="tx1"/>
+                        </a:solidFill>
+                      </a:endParaRPr>
                     </a:p>
                   </a:txBody>
                   <a:tcPr>
@@ -8372,7 +8503,23 @@
                     <a:bodyPr/>
                     <a:lstStyle/>
                     <a:p>
-                      <a:pPr marL="0" algn="l" defTabSz="1219170" rtl="0" eaLnBrk="1" latinLnBrk="0" hangingPunct="1"/>
+                      <a:pPr marL="0" marR="0" lvl="0" indent="0" algn="l" defTabSz="1219170" rtl="0" eaLnBrk="1" fontAlgn="auto" latinLnBrk="0" hangingPunct="1">
+                        <a:lnSpc>
+                          <a:spcPct val="100000"/>
+                        </a:lnSpc>
+                        <a:spcBef>
+                          <a:spcPts val="0"/>
+                        </a:spcBef>
+                        <a:spcAft>
+                          <a:spcPts val="0"/>
+                        </a:spcAft>
+                        <a:buClrTx/>
+                        <a:buSzTx/>
+                        <a:buFontTx/>
+                        <a:buNone/>
+                        <a:tabLst/>
+                        <a:defRPr/>
+                      </a:pPr>
                       <a:r>
                         <a:rPr lang="en-US" altLang="zh-CN" sz="1400" kern="1200" dirty="0" smtClean="0">
                           <a:solidFill>
@@ -8404,10 +8551,10 @@
                           <a:ea typeface="+mn-ea"/>
                           <a:cs typeface="+mn-cs"/>
                         </a:rPr>
-                        <a:t>CPLD</a:t>
-                      </a:r>
-                      <a:r>
-                        <a:rPr lang="zh-CN" altLang="en-US" sz="1400" kern="1200" dirty="0" smtClean="0">
+                        <a:t>UID</a:t>
+                      </a:r>
+                      <a:r>
+                        <a:rPr lang="en-US" altLang="zh-CN" sz="1400" kern="1200" dirty="0" smtClean="0">
                           <a:solidFill>
                             <a:schemeClr val="tx1"/>
                           </a:solidFill>
@@ -8415,8 +8562,134 @@
                           <a:ea typeface="+mn-ea"/>
                           <a:cs typeface="+mn-cs"/>
                         </a:rPr>
-                        <a:t>出电源强制上电版本；</a:t>
-                      </a:r>
+                        <a:t>/</a:t>
+                      </a:r>
+                      <a:r>
+                        <a:rPr lang="en-US" altLang="zh-CN" sz="1400" kern="1200" dirty="0" err="1" smtClean="0">
+                          <a:solidFill>
+                            <a:schemeClr val="tx1"/>
+                          </a:solidFill>
+                          <a:latin typeface="+mn-lt"/>
+                          <a:ea typeface="+mn-ea"/>
+                          <a:cs typeface="+mn-cs"/>
+                        </a:rPr>
+                        <a:t>PWR</a:t>
+                      </a:r>
+                      <a:r>
+                        <a:rPr lang="en-US" altLang="zh-CN" sz="1400" kern="1200" dirty="0" smtClean="0">
+                          <a:solidFill>
+                            <a:schemeClr val="tx1"/>
+                          </a:solidFill>
+                          <a:latin typeface="+mn-lt"/>
+                          <a:ea typeface="+mn-ea"/>
+                          <a:cs typeface="+mn-cs"/>
+                        </a:rPr>
+                        <a:t> </a:t>
+                      </a:r>
+                      <a:r>
+                        <a:rPr lang="en-US" altLang="zh-CN" sz="1400" kern="1200" dirty="0" err="1" smtClean="0">
+                          <a:solidFill>
+                            <a:schemeClr val="tx1"/>
+                          </a:solidFill>
+                          <a:latin typeface="+mn-lt"/>
+                          <a:ea typeface="+mn-ea"/>
+                          <a:cs typeface="+mn-cs"/>
+                        </a:rPr>
+                        <a:t>BTN</a:t>
+                      </a:r>
+                      <a:r>
+                        <a:rPr lang="zh-CN" altLang="en-US" sz="1400" kern="1200" dirty="0" smtClean="0">
+                          <a:solidFill>
+                            <a:schemeClr val="tx1"/>
+                          </a:solidFill>
+                          <a:latin typeface="+mn-lt"/>
+                          <a:ea typeface="+mn-ea"/>
+                          <a:cs typeface="+mn-cs"/>
+                        </a:rPr>
+                        <a:t>要产生长按</a:t>
+                      </a:r>
+                      <a:r>
+                        <a:rPr lang="en-US" altLang="zh-CN" sz="1400" kern="1200" dirty="0" smtClean="0">
+                          <a:solidFill>
+                            <a:schemeClr val="tx1"/>
+                          </a:solidFill>
+                          <a:latin typeface="+mn-lt"/>
+                          <a:ea typeface="+mn-ea"/>
+                          <a:cs typeface="+mn-cs"/>
+                        </a:rPr>
+                        <a:t>/</a:t>
+                      </a:r>
+                      <a:r>
+                        <a:rPr lang="zh-CN" altLang="en-US" sz="1400" kern="1200" dirty="0" smtClean="0">
+                          <a:solidFill>
+                            <a:schemeClr val="tx1"/>
+                          </a:solidFill>
+                          <a:latin typeface="+mn-lt"/>
+                          <a:ea typeface="+mn-ea"/>
+                          <a:cs typeface="+mn-cs"/>
+                        </a:rPr>
+                        <a:t>短按事件记录，同时也要支持消除记录，结合</a:t>
+                      </a:r>
+                      <a:r>
+                        <a:rPr lang="en-US" altLang="zh-CN" sz="1400" kern="1200" dirty="0" smtClean="0">
+                          <a:solidFill>
+                            <a:schemeClr val="tx1"/>
+                          </a:solidFill>
+                          <a:latin typeface="+mn-lt"/>
+                          <a:ea typeface="+mn-ea"/>
+                          <a:cs typeface="+mn-cs"/>
+                        </a:rPr>
+                        <a:t>I2C</a:t>
+                      </a:r>
+                      <a:r>
+                        <a:rPr lang="zh-CN" altLang="en-US" sz="1400" kern="1200" dirty="0" smtClean="0">
+                          <a:solidFill>
+                            <a:schemeClr val="tx1"/>
+                          </a:solidFill>
+                          <a:latin typeface="+mn-lt"/>
+                          <a:ea typeface="+mn-ea"/>
+                          <a:cs typeface="+mn-cs"/>
+                        </a:rPr>
+                        <a:t>寄存器一起修改</a:t>
+                      </a:r>
+                      <a:r>
+                        <a:rPr lang="zh-CN" altLang="en-US" sz="1400" kern="1200" dirty="0" smtClean="0">
+                          <a:solidFill>
+                            <a:schemeClr val="tx1"/>
+                          </a:solidFill>
+                          <a:latin typeface="+mn-lt"/>
+                          <a:ea typeface="+mn-ea"/>
+                          <a:cs typeface="+mn-cs"/>
+                        </a:rPr>
+                        <a:t>；</a:t>
+                      </a:r>
+                      <a:endParaRPr lang="en-US" altLang="zh-CN" sz="1400" kern="1200" dirty="0" smtClean="0">
+                        <a:solidFill>
+                          <a:schemeClr val="tx1"/>
+                        </a:solidFill>
+                        <a:latin typeface="+mn-lt"/>
+                        <a:ea typeface="+mn-ea"/>
+                        <a:cs typeface="+mn-cs"/>
+                      </a:endParaRPr>
+                    </a:p>
+                    <a:p>
+                      <a:pPr marL="0" marR="0" lvl="0" indent="0" algn="l" defTabSz="1219170" rtl="0" eaLnBrk="1" fontAlgn="auto" latinLnBrk="0" hangingPunct="1">
+                        <a:lnSpc>
+                          <a:spcPct val="100000"/>
+                        </a:lnSpc>
+                        <a:spcBef>
+                          <a:spcPts val="0"/>
+                        </a:spcBef>
+                        <a:spcAft>
+                          <a:spcPts val="0"/>
+                        </a:spcAft>
+                        <a:buClrTx/>
+                        <a:buSzTx/>
+                        <a:buFontTx/>
+                        <a:buNone/>
+                        <a:tabLst/>
+                        <a:defRPr/>
+                      </a:pPr>
                       <a:endParaRPr lang="en-US" altLang="zh-CN" sz="1400" kern="1200" dirty="0" smtClean="0">
                         <a:solidFill>
                           <a:schemeClr val="tx1"/>
@@ -8521,10 +8794,10 @@
                           <a:ea typeface="+mn-ea"/>
                           <a:cs typeface="+mn-cs"/>
                         </a:rPr>
-                        <a:t>UID</a:t>
-                      </a:r>
-                      <a:r>
-                        <a:rPr lang="en-US" altLang="zh-CN" sz="1400" kern="1200" dirty="0" smtClean="0">
+                        <a:t>PCIE</a:t>
+                      </a:r>
+                      <a:r>
+                        <a:rPr lang="zh-CN" altLang="en-US" sz="1400" kern="1200" dirty="0" smtClean="0">
                           <a:solidFill>
                             <a:schemeClr val="tx1"/>
                           </a:solidFill>
@@ -8532,7 +8805,7 @@
                           <a:ea typeface="+mn-ea"/>
                           <a:cs typeface="+mn-cs"/>
                         </a:rPr>
-                        <a:t>/</a:t>
+                        <a:t>带宽动态分配；逻辑检测每个</a:t>
                       </a:r>
                       <a:r>
                         <a:rPr lang="en-US" altLang="zh-CN" sz="1400" kern="1200" dirty="0" err="1" smtClean="0">
@@ -8543,10 +8816,10 @@
                           <a:ea typeface="+mn-ea"/>
                           <a:cs typeface="+mn-cs"/>
                         </a:rPr>
-                        <a:t>PWR</a:t>
-                      </a:r>
-                      <a:r>
-                        <a:rPr lang="en-US" altLang="zh-CN" sz="1400" kern="1200" dirty="0" smtClean="0">
+                        <a:t>MCIO</a:t>
+                      </a:r>
+                      <a:r>
+                        <a:rPr lang="zh-CN" altLang="en-US" sz="1400" kern="1200" dirty="0" smtClean="0">
                           <a:solidFill>
                             <a:schemeClr val="tx1"/>
                           </a:solidFill>
@@ -8554,7 +8827,7 @@
                           <a:ea typeface="+mn-ea"/>
                           <a:cs typeface="+mn-cs"/>
                         </a:rPr>
-                        <a:t> </a:t>
+                        <a:t>的一组</a:t>
                       </a:r>
                       <a:r>
                         <a:rPr lang="en-US" altLang="zh-CN" sz="1400" kern="1200" dirty="0" err="1" smtClean="0">
@@ -8565,7 +8838,7 @@
                           <a:ea typeface="+mn-ea"/>
                           <a:cs typeface="+mn-cs"/>
                         </a:rPr>
-                        <a:t>BTN</a:t>
+                        <a:t>cable_id</a:t>
                       </a:r>
                       <a:r>
                         <a:rPr lang="zh-CN" altLang="en-US" sz="1400" kern="1200" dirty="0" smtClean="0">
@@ -8576,10 +8849,10 @@
                           <a:ea typeface="+mn-ea"/>
                           <a:cs typeface="+mn-cs"/>
                         </a:rPr>
-                        <a:t>要产生长按</a:t>
-                      </a:r>
-                      <a:r>
-                        <a:rPr lang="en-US" altLang="zh-CN" sz="1400" kern="1200" dirty="0" smtClean="0">
+                        <a:t>，建立映射规则写入寄存器，</a:t>
+                      </a:r>
+                      <a:r>
+                        <a:rPr lang="en-US" altLang="zh-CN" sz="1400" kern="1200" dirty="0" err="1" smtClean="0">
                           <a:solidFill>
                             <a:schemeClr val="tx1"/>
                           </a:solidFill>
@@ -8587,7 +8860,7 @@
                           <a:ea typeface="+mn-ea"/>
                           <a:cs typeface="+mn-cs"/>
                         </a:rPr>
-                        <a:t>/</a:t>
+                        <a:t>PCIE</a:t>
                       </a:r>
                       <a:r>
                         <a:rPr lang="zh-CN" altLang="en-US" sz="1400" kern="1200" dirty="0" smtClean="0">
@@ -8598,10 +8871,10 @@
                           <a:ea typeface="+mn-ea"/>
                           <a:cs typeface="+mn-cs"/>
                         </a:rPr>
-                        <a:t>短按事件记录，同时也要支持消除记录，结合</a:t>
-                      </a:r>
-                      <a:r>
-                        <a:rPr lang="en-US" altLang="zh-CN" sz="1400" kern="1200" dirty="0" smtClean="0">
+                        <a:t>根据读取的值进行分配</a:t>
+                      </a:r>
+                      <a:r>
+                        <a:rPr lang="zh-CN" altLang="en-US" sz="1400" kern="1200" dirty="0" smtClean="0">
                           <a:solidFill>
                             <a:schemeClr val="tx1"/>
                           </a:solidFill>
@@ -8609,19 +8882,35 @@
                           <a:ea typeface="+mn-ea"/>
                           <a:cs typeface="+mn-cs"/>
                         </a:rPr>
-                        <a:t>I2C</a:t>
-                      </a:r>
-                      <a:r>
-                        <a:rPr lang="zh-CN" altLang="en-US" sz="1400" kern="1200" dirty="0" smtClean="0">
-                          <a:solidFill>
-                            <a:schemeClr val="tx1"/>
-                          </a:solidFill>
-                          <a:latin typeface="+mn-lt"/>
-                          <a:ea typeface="+mn-ea"/>
-                          <a:cs typeface="+mn-cs"/>
-                        </a:rPr>
-                        <a:t>寄存器一起修改；</a:t>
-                      </a:r>
+                        <a:t>；</a:t>
+                      </a:r>
+                      <a:endParaRPr lang="en-US" altLang="zh-CN" sz="1400" kern="1200" dirty="0" smtClean="0">
+                        <a:solidFill>
+                          <a:schemeClr val="tx1"/>
+                        </a:solidFill>
+                        <a:latin typeface="+mn-lt"/>
+                        <a:ea typeface="+mn-ea"/>
+                        <a:cs typeface="+mn-cs"/>
+                      </a:endParaRPr>
+                    </a:p>
+                    <a:p>
+                      <a:pPr marL="0" marR="0" lvl="0" indent="0" algn="l" defTabSz="1219170" rtl="0" eaLnBrk="1" fontAlgn="auto" latinLnBrk="0" hangingPunct="1">
+                        <a:lnSpc>
+                          <a:spcPct val="100000"/>
+                        </a:lnSpc>
+                        <a:spcBef>
+                          <a:spcPts val="0"/>
+                        </a:spcBef>
+                        <a:spcAft>
+                          <a:spcPts val="0"/>
+                        </a:spcAft>
+                        <a:buClrTx/>
+                        <a:buSzTx/>
+                        <a:buFontTx/>
+                        <a:buNone/>
+                        <a:tabLst/>
+                        <a:defRPr/>
+                      </a:pPr>
                       <a:endParaRPr lang="en-US" altLang="zh-CN" sz="1400" kern="1200" dirty="0" smtClean="0">
                         <a:solidFill>
                           <a:schemeClr val="tx1"/>
@@ -8718,7 +9007,7 @@
                         <a:t>、</a:t>
                       </a:r>
                       <a:r>
-                        <a:rPr lang="en-US" altLang="zh-CN" sz="1400" kern="1200" dirty="0" err="1" smtClean="0">
+                        <a:rPr lang="zh-CN" altLang="en-US" sz="1400" kern="1200" dirty="0" smtClean="0">
                           <a:solidFill>
                             <a:schemeClr val="tx1"/>
                           </a:solidFill>
@@ -8726,7 +9015,7 @@
                           <a:ea typeface="+mn-ea"/>
                           <a:cs typeface="+mn-cs"/>
                         </a:rPr>
-                        <a:t>PCIE</a:t>
+                        <a:t>拨码开关测试</a:t>
                       </a:r>
                       <a:r>
                         <a:rPr lang="zh-CN" altLang="en-US" sz="1400" kern="1200" dirty="0" smtClean="0">
@@ -8737,74 +9026,35 @@
                           <a:ea typeface="+mn-ea"/>
                           <a:cs typeface="+mn-cs"/>
                         </a:rPr>
-                        <a:t>带宽动态分配；逻辑检测每个</a:t>
-                      </a:r>
-                      <a:r>
-                        <a:rPr lang="en-US" altLang="zh-CN" sz="1400" kern="1200" dirty="0" err="1" smtClean="0">
-                          <a:solidFill>
-                            <a:schemeClr val="tx1"/>
-                          </a:solidFill>
-                          <a:latin typeface="+mn-lt"/>
-                          <a:ea typeface="+mn-ea"/>
-                          <a:cs typeface="+mn-cs"/>
-                        </a:rPr>
-                        <a:t>MCIO</a:t>
-                      </a:r>
-                      <a:r>
-                        <a:rPr lang="zh-CN" altLang="en-US" sz="1400" kern="1200" dirty="0" smtClean="0">
-                          <a:solidFill>
-                            <a:schemeClr val="tx1"/>
-                          </a:solidFill>
-                          <a:latin typeface="+mn-lt"/>
-                          <a:ea typeface="+mn-ea"/>
-                          <a:cs typeface="+mn-cs"/>
-                        </a:rPr>
-                        <a:t>的一组</a:t>
-                      </a:r>
-                      <a:r>
-                        <a:rPr lang="en-US" altLang="zh-CN" sz="1400" kern="1200" dirty="0" err="1" smtClean="0">
-                          <a:solidFill>
-                            <a:schemeClr val="tx1"/>
-                          </a:solidFill>
-                          <a:latin typeface="+mn-lt"/>
-                          <a:ea typeface="+mn-ea"/>
-                          <a:cs typeface="+mn-cs"/>
-                        </a:rPr>
-                        <a:t>cable_id</a:t>
-                      </a:r>
-                      <a:r>
-                        <a:rPr lang="zh-CN" altLang="en-US" sz="1400" kern="1200" dirty="0" smtClean="0">
-                          <a:solidFill>
-                            <a:schemeClr val="tx1"/>
-                          </a:solidFill>
-                          <a:latin typeface="+mn-lt"/>
-                          <a:ea typeface="+mn-ea"/>
-                          <a:cs typeface="+mn-cs"/>
-                        </a:rPr>
-                        <a:t>，建立映射规则写入寄存器，</a:t>
-                      </a:r>
-                      <a:r>
-                        <a:rPr lang="en-US" altLang="zh-CN" sz="1400" kern="1200" dirty="0" err="1" smtClean="0">
-                          <a:solidFill>
-                            <a:schemeClr val="tx1"/>
-                          </a:solidFill>
-                          <a:latin typeface="+mn-lt"/>
-                          <a:ea typeface="+mn-ea"/>
-                          <a:cs typeface="+mn-cs"/>
-                        </a:rPr>
-                        <a:t>PCIE</a:t>
-                      </a:r>
-                      <a:r>
-                        <a:rPr lang="zh-CN" altLang="en-US" sz="1400" kern="1200" dirty="0" smtClean="0">
-                          <a:solidFill>
-                            <a:schemeClr val="tx1"/>
-                          </a:solidFill>
-                          <a:latin typeface="+mn-lt"/>
-                          <a:ea typeface="+mn-ea"/>
-                          <a:cs typeface="+mn-cs"/>
-                        </a:rPr>
-                        <a:t>根据读取的值进行分配；</a:t>
-                      </a:r>
+                        <a:t>；</a:t>
+                      </a:r>
+                      <a:endParaRPr lang="en-US" altLang="zh-CN" sz="1400" kern="1200" dirty="0" smtClean="0">
+                        <a:solidFill>
+                          <a:schemeClr val="tx1"/>
+                        </a:solidFill>
+                        <a:latin typeface="+mn-lt"/>
+                        <a:ea typeface="+mn-ea"/>
+                        <a:cs typeface="+mn-cs"/>
+                      </a:endParaRPr>
+                    </a:p>
+                    <a:p>
+                      <a:pPr marL="0" marR="0" lvl="0" indent="0" algn="l" defTabSz="1219170" rtl="0" eaLnBrk="1" fontAlgn="auto" latinLnBrk="0" hangingPunct="1">
+                        <a:lnSpc>
+                          <a:spcPct val="100000"/>
+                        </a:lnSpc>
+                        <a:spcBef>
+                          <a:spcPts val="0"/>
+                        </a:spcBef>
+                        <a:spcAft>
+                          <a:spcPts val="0"/>
+                        </a:spcAft>
+                        <a:buClrTx/>
+                        <a:buSzTx/>
+                        <a:buFontTx/>
+                        <a:buNone/>
+                        <a:tabLst/>
+                        <a:defRPr/>
+                      </a:pPr>
                       <a:endParaRPr lang="en-US" altLang="zh-CN" sz="1400" kern="1200" dirty="0" smtClean="0">
                         <a:solidFill>
                           <a:schemeClr val="tx1"/>
@@ -8898,10 +9148,10 @@
                           <a:ea typeface="+mn-ea"/>
                           <a:cs typeface="+mn-cs"/>
                         </a:rPr>
-                        <a:t>、逻辑添加寄存器控制</a:t>
-                      </a:r>
-                      <a:r>
-                        <a:rPr lang="en-US" altLang="zh-CN" sz="1400" kern="1200" dirty="0" err="1" smtClean="0">
+                        <a:t>、</a:t>
+                      </a:r>
+                      <a:r>
+                        <a:rPr lang="en-US" altLang="zh-CN" sz="1400" kern="1200" dirty="0" smtClean="0">
                           <a:solidFill>
                             <a:schemeClr val="tx1"/>
                           </a:solidFill>
@@ -8909,7 +9159,7 @@
                           <a:ea typeface="+mn-ea"/>
                           <a:cs typeface="+mn-cs"/>
                         </a:rPr>
-                        <a:t>DIMM</a:t>
+                        <a:t>BMC</a:t>
                       </a:r>
                       <a:r>
                         <a:rPr lang="zh-CN" altLang="en-US" sz="1400" kern="1200" dirty="0" smtClean="0">
@@ -8920,7 +9170,7 @@
                           <a:ea typeface="+mn-ea"/>
                           <a:cs typeface="+mn-cs"/>
                         </a:rPr>
-                        <a:t>的</a:t>
+                        <a:t>卡顿；</a:t>
                       </a:r>
                       <a:r>
                         <a:rPr lang="en-US" altLang="zh-CN" sz="1400" kern="1200" dirty="0" smtClean="0">
@@ -8931,7 +9181,7 @@
                           <a:ea typeface="+mn-ea"/>
                           <a:cs typeface="+mn-cs"/>
                         </a:rPr>
-                        <a:t>I2C</a:t>
+                        <a:t>BMC</a:t>
                       </a:r>
                       <a:r>
                         <a:rPr lang="zh-CN" altLang="en-US" sz="1400" kern="1200" dirty="0" smtClean="0">
@@ -8942,7 +9192,7 @@
                           <a:ea typeface="+mn-ea"/>
                           <a:cs typeface="+mn-cs"/>
                         </a:rPr>
-                        <a:t>信号从</a:t>
+                        <a:t>下发开关机无反应，服务器不能</a:t>
                       </a:r>
                       <a:r>
                         <a:rPr lang="en-US" altLang="zh-CN" sz="1400" kern="1200" dirty="0" smtClean="0">
@@ -8953,7 +9203,7 @@
                           <a:ea typeface="+mn-ea"/>
                           <a:cs typeface="+mn-cs"/>
                         </a:rPr>
-                        <a:t>CPU</a:t>
+                        <a:t>AC</a:t>
                       </a:r>
                       <a:r>
                         <a:rPr lang="zh-CN" altLang="en-US" sz="1400" kern="1200" dirty="0" smtClean="0">
@@ -8964,30 +9214,35 @@
                           <a:ea typeface="+mn-ea"/>
                           <a:cs typeface="+mn-cs"/>
                         </a:rPr>
-                        <a:t>切换到</a:t>
-                      </a:r>
-                      <a:r>
-                        <a:rPr lang="en-US" altLang="zh-CN" sz="1400" kern="1200" dirty="0" smtClean="0">
-                          <a:solidFill>
-                            <a:schemeClr val="tx1"/>
-                          </a:solidFill>
-                          <a:latin typeface="+mn-lt"/>
-                          <a:ea typeface="+mn-ea"/>
-                          <a:cs typeface="+mn-cs"/>
-                        </a:rPr>
-                        <a:t>BMC</a:t>
-                      </a:r>
-                      <a:r>
-                        <a:rPr lang="zh-CN" altLang="en-US" sz="1400" kern="1200" dirty="0" smtClean="0">
-                          <a:solidFill>
-                            <a:schemeClr val="tx1"/>
-                          </a:solidFill>
-                          <a:latin typeface="+mn-lt"/>
-                          <a:ea typeface="+mn-ea"/>
-                          <a:cs typeface="+mn-cs"/>
-                        </a:rPr>
                         <a:t>；</a:t>
                       </a:r>
+                      <a:endParaRPr lang="en-US" altLang="zh-CN" sz="1400" kern="1200" dirty="0" smtClean="0">
+                        <a:solidFill>
+                          <a:schemeClr val="tx1"/>
+                        </a:solidFill>
+                        <a:latin typeface="+mn-lt"/>
+                        <a:ea typeface="+mn-ea"/>
+                        <a:cs typeface="+mn-cs"/>
+                      </a:endParaRPr>
+                    </a:p>
+                    <a:p>
+                      <a:pPr marL="0" marR="0" lvl="0" indent="0" algn="l" defTabSz="1219170" rtl="0" eaLnBrk="1" fontAlgn="auto" latinLnBrk="0" hangingPunct="1">
+                        <a:lnSpc>
+                          <a:spcPct val="100000"/>
+                        </a:lnSpc>
+                        <a:spcBef>
+                          <a:spcPts val="0"/>
+                        </a:spcBef>
+                        <a:spcAft>
+                          <a:spcPts val="0"/>
+                        </a:spcAft>
+                        <a:buClrTx/>
+                        <a:buSzTx/>
+                        <a:buFontTx/>
+                        <a:buNone/>
+                        <a:tabLst/>
+                        <a:defRPr/>
+                      </a:pPr>
                       <a:endParaRPr lang="en-US" altLang="zh-CN" sz="1400" kern="1200" dirty="0" smtClean="0">
                         <a:solidFill>
                           <a:schemeClr val="tx1"/>
@@ -9081,7 +9336,111 @@
                           <a:ea typeface="+mn-ea"/>
                           <a:cs typeface="+mn-cs"/>
                         </a:rPr>
-                        <a:t>、拨码开关测试；</a:t>
+                        <a:t>、顶层时钟时序错误，但是不影响；</a:t>
+                      </a:r>
+                      <a:endParaRPr lang="en-US" altLang="zh-CN" sz="1400" kern="1200" dirty="0" smtClean="0">
+                        <a:solidFill>
+                          <a:schemeClr val="tx1"/>
+                        </a:solidFill>
+                        <a:latin typeface="+mn-lt"/>
+                        <a:ea typeface="+mn-ea"/>
+                        <a:cs typeface="+mn-cs"/>
+                      </a:endParaRPr>
+                    </a:p>
+                    <a:p>
+                      <a:pPr marL="0" marR="0" lvl="0" indent="0" algn="l" defTabSz="1219170" rtl="0" eaLnBrk="1" fontAlgn="auto" latinLnBrk="0" hangingPunct="1">
+                        <a:lnSpc>
+                          <a:spcPct val="100000"/>
+                        </a:lnSpc>
+                        <a:spcBef>
+                          <a:spcPts val="0"/>
+                        </a:spcBef>
+                        <a:spcAft>
+                          <a:spcPts val="0"/>
+                        </a:spcAft>
+                        <a:buClrTx/>
+                        <a:buSzTx/>
+                        <a:buFontTx/>
+                        <a:buNone/>
+                        <a:tabLst/>
+                        <a:defRPr/>
+                      </a:pPr>
+                      <a:r>
+                        <a:rPr lang="zh-CN" altLang="en-US" sz="1400" kern="1200" dirty="0" smtClean="0">
+                          <a:solidFill>
+                            <a:schemeClr val="tx1"/>
+                          </a:solidFill>
+                          <a:latin typeface="+mn-lt"/>
+                          <a:ea typeface="+mn-ea"/>
+                          <a:cs typeface="+mn-cs"/>
+                        </a:rPr>
+                        <a:t>时序错误的原因是</a:t>
+                      </a:r>
+                      <a:r>
+                        <a:rPr lang="en-US" altLang="zh-CN" sz="1400" kern="1200" dirty="0" err="1" smtClean="0">
+                          <a:solidFill>
+                            <a:schemeClr val="tx1"/>
+                          </a:solidFill>
+                          <a:latin typeface="+mn-lt"/>
+                          <a:ea typeface="+mn-ea"/>
+                          <a:cs typeface="+mn-cs"/>
+                        </a:rPr>
+                        <a:t>PLL</a:t>
+                      </a:r>
+                      <a:r>
+                        <a:rPr lang="zh-CN" altLang="en-US" sz="1400" kern="1200" dirty="0" smtClean="0">
+                          <a:solidFill>
+                            <a:schemeClr val="tx1"/>
+                          </a:solidFill>
+                          <a:latin typeface="+mn-lt"/>
+                          <a:ea typeface="+mn-ea"/>
+                          <a:cs typeface="+mn-cs"/>
+                        </a:rPr>
+                        <a:t>时钟输入例化使用了</a:t>
+                      </a:r>
+                      <a:r>
+                        <a:rPr lang="en-US" altLang="zh-CN" sz="1400" kern="1200" dirty="0" smtClean="0">
+                          <a:solidFill>
+                            <a:schemeClr val="tx1"/>
+                          </a:solidFill>
+                          <a:latin typeface="+mn-lt"/>
+                          <a:ea typeface="+mn-ea"/>
+                          <a:cs typeface="+mn-cs"/>
+                        </a:rPr>
+                        <a:t>100M</a:t>
+                      </a:r>
+                      <a:r>
+                        <a:rPr lang="zh-CN" altLang="en-US" sz="1400" kern="1200" dirty="0" smtClean="0">
+                          <a:solidFill>
+                            <a:schemeClr val="tx1"/>
+                          </a:solidFill>
+                          <a:latin typeface="+mn-lt"/>
+                          <a:ea typeface="+mn-ea"/>
+                          <a:cs typeface="+mn-cs"/>
+                        </a:rPr>
+                        <a:t>，不影响的原因是其接入了</a:t>
+                      </a:r>
+                      <a:r>
+                        <a:rPr lang="en-US" altLang="zh-CN" sz="1400" kern="1200" dirty="0" err="1" smtClean="0">
+                          <a:solidFill>
+                            <a:schemeClr val="tx1"/>
+                          </a:solidFill>
+                          <a:latin typeface="+mn-lt"/>
+                          <a:ea typeface="+mn-ea"/>
+                          <a:cs typeface="+mn-cs"/>
+                        </a:rPr>
+                        <a:t>clk_gen</a:t>
+                      </a:r>
+                      <a:r>
+                        <a:rPr lang="zh-CN" altLang="en-US" sz="1400" kern="1200" dirty="0" smtClean="0">
+                          <a:solidFill>
+                            <a:schemeClr val="tx1"/>
+                          </a:solidFill>
+                          <a:latin typeface="+mn-lt"/>
+                          <a:ea typeface="+mn-ea"/>
+                          <a:cs typeface="+mn-cs"/>
+                        </a:rPr>
+                        <a:t>时钟树，但是时钟树输出的时钟未使用</a:t>
                       </a:r>
                       <a:endParaRPr lang="en-US" altLang="zh-CN" sz="1400" kern="1200" dirty="0" smtClean="0">
                         <a:solidFill>
@@ -9159,7 +9518,7 @@
                       <a:r>
                         <a:rPr lang="en-US" altLang="zh-CN" sz="1400" kern="1200" dirty="0" smtClean="0">
                           <a:solidFill>
-                            <a:schemeClr val="tx1"/>
+                            <a:srgbClr val="FF0000"/>
                           </a:solidFill>
                           <a:latin typeface="+mn-lt"/>
                           <a:ea typeface="+mn-ea"/>
@@ -9170,7 +9529,7 @@
                       <a:r>
                         <a:rPr lang="zh-CN" altLang="en-US" sz="1400" kern="1200" dirty="0" smtClean="0">
                           <a:solidFill>
-                            <a:schemeClr val="tx1"/>
+                            <a:srgbClr val="FF0000"/>
                           </a:solidFill>
                           <a:latin typeface="+mn-lt"/>
                           <a:ea typeface="+mn-ea"/>
@@ -9320,7 +9679,7 @@
                       <a:r>
                         <a:rPr lang="en-US" altLang="zh-CN" sz="1400" kern="1200" dirty="0" smtClean="0">
                           <a:solidFill>
-                            <a:schemeClr val="tx1"/>
+                            <a:srgbClr val="FF0000"/>
                           </a:solidFill>
                           <a:latin typeface="+mn-lt"/>
                           <a:ea typeface="+mn-ea"/>
@@ -9331,417 +9690,46 @@
                       <a:r>
                         <a:rPr lang="zh-CN" altLang="en-US" sz="1400" kern="1200" dirty="0" smtClean="0">
                           <a:solidFill>
-                            <a:schemeClr val="tx1"/>
+                            <a:srgbClr val="FF0000"/>
                           </a:solidFill>
                           <a:latin typeface="+mn-lt"/>
                           <a:ea typeface="+mn-ea"/>
                           <a:cs typeface="+mn-cs"/>
                         </a:rPr>
-                        <a:t>、顶层时钟时序错误，但是不影响；</a:t>
-                      </a:r>
-                      <a:endParaRPr lang="en-US" altLang="zh-CN" sz="1400" kern="1200" dirty="0" smtClean="0">
-                        <a:solidFill>
-                          <a:schemeClr val="tx1"/>
-                        </a:solidFill>
-                        <a:latin typeface="+mn-lt"/>
-                        <a:ea typeface="+mn-ea"/>
-                        <a:cs typeface="+mn-cs"/>
-                      </a:endParaRPr>
-                    </a:p>
-                    <a:p>
-                      <a:pPr marL="0" marR="0" lvl="0" indent="0" algn="l" defTabSz="1219170" rtl="0" eaLnBrk="1" fontAlgn="auto" latinLnBrk="0" hangingPunct="1">
-                        <a:lnSpc>
-                          <a:spcPct val="100000"/>
-                        </a:lnSpc>
-                        <a:spcBef>
-                          <a:spcPts val="0"/>
-                        </a:spcBef>
-                        <a:spcAft>
-                          <a:spcPts val="0"/>
-                        </a:spcAft>
-                        <a:buClrTx/>
-                        <a:buSzTx/>
-                        <a:buFontTx/>
-                        <a:buNone/>
-                        <a:tabLst/>
-                        <a:defRPr/>
-                      </a:pPr>
+                        <a:t>、</a:t>
+                      </a:r>
                       <a:r>
                         <a:rPr lang="zh-CN" altLang="en-US" sz="1400" kern="1200" dirty="0" smtClean="0">
                           <a:solidFill>
-                            <a:schemeClr val="tx1"/>
+                            <a:srgbClr val="FF0000"/>
                           </a:solidFill>
                           <a:latin typeface="+mn-lt"/>
                           <a:ea typeface="+mn-ea"/>
                           <a:cs typeface="+mn-cs"/>
                         </a:rPr>
-                        <a:t>时序错误的原因是</a:t>
+                        <a:t>遗漏问题：同一</a:t>
                       </a:r>
                       <a:r>
                         <a:rPr lang="en-US" altLang="zh-CN" sz="1400" kern="1200" dirty="0" err="1" smtClean="0">
                           <a:solidFill>
-                            <a:schemeClr val="tx1"/>
+                            <a:srgbClr val="FF0000"/>
                           </a:solidFill>
                           <a:latin typeface="+mn-lt"/>
                           <a:ea typeface="+mn-ea"/>
                           <a:cs typeface="+mn-cs"/>
                         </a:rPr>
-                        <a:t>PLL</a:t>
+                        <a:t>CPLD</a:t>
                       </a:r>
                       <a:r>
                         <a:rPr lang="zh-CN" altLang="en-US" sz="1400" kern="1200" dirty="0" smtClean="0">
                           <a:solidFill>
-                            <a:schemeClr val="tx1"/>
+                            <a:srgbClr val="FF0000"/>
                           </a:solidFill>
                           <a:latin typeface="+mn-lt"/>
                           <a:ea typeface="+mn-ea"/>
                           <a:cs typeface="+mn-cs"/>
                         </a:rPr>
-                        <a:t>时钟输入例化使用了</a:t>
-                      </a:r>
-                      <a:r>
-                        <a:rPr lang="en-US" altLang="zh-CN" sz="1400" kern="1200" dirty="0" smtClean="0">
-                          <a:solidFill>
-                            <a:schemeClr val="tx1"/>
-                          </a:solidFill>
-                          <a:latin typeface="+mn-lt"/>
-                          <a:ea typeface="+mn-ea"/>
-                          <a:cs typeface="+mn-cs"/>
-                        </a:rPr>
-                        <a:t>100M</a:t>
-                      </a:r>
-                      <a:r>
-                        <a:rPr lang="zh-CN" altLang="en-US" sz="1400" kern="1200" dirty="0" smtClean="0">
-                          <a:solidFill>
-                            <a:schemeClr val="tx1"/>
-                          </a:solidFill>
-                          <a:latin typeface="+mn-lt"/>
-                          <a:ea typeface="+mn-ea"/>
-                          <a:cs typeface="+mn-cs"/>
-                        </a:rPr>
-                        <a:t>，不影响的原因是其接入了</a:t>
-                      </a:r>
-                      <a:r>
-                        <a:rPr lang="en-US" altLang="zh-CN" sz="1400" kern="1200" dirty="0" err="1" smtClean="0">
-                          <a:solidFill>
-                            <a:schemeClr val="tx1"/>
-                          </a:solidFill>
-                          <a:latin typeface="+mn-lt"/>
-                          <a:ea typeface="+mn-ea"/>
-                          <a:cs typeface="+mn-cs"/>
-                        </a:rPr>
-                        <a:t>clk_gen</a:t>
-                      </a:r>
-                      <a:r>
-                        <a:rPr lang="zh-CN" altLang="en-US" sz="1400" kern="1200" dirty="0" smtClean="0">
-                          <a:solidFill>
-                            <a:schemeClr val="tx1"/>
-                          </a:solidFill>
-                          <a:latin typeface="+mn-lt"/>
-                          <a:ea typeface="+mn-ea"/>
-                          <a:cs typeface="+mn-cs"/>
-                        </a:rPr>
-                        <a:t>时钟树，但是时钟树输出的时钟未使用；</a:t>
-                      </a:r>
-                      <a:endParaRPr lang="en-US" altLang="zh-CN" sz="1400" kern="1200" dirty="0" smtClean="0">
-                        <a:solidFill>
-                          <a:schemeClr val="tx1"/>
-                        </a:solidFill>
-                        <a:latin typeface="+mn-lt"/>
-                        <a:ea typeface="+mn-ea"/>
-                        <a:cs typeface="+mn-cs"/>
-                      </a:endParaRPr>
-                    </a:p>
-                  </a:txBody>
-                  <a:tcPr anchor="ctr">
-                    <a:lnL w="12700" cap="flat" cmpd="sng" algn="ctr">
-                      <a:solidFill>
-                        <a:schemeClr val="tx1"/>
-                      </a:solidFill>
-                      <a:prstDash val="solid"/>
-                      <a:round/>
-                      <a:headEnd type="none" w="med" len="med"/>
-                      <a:tailEnd type="none" w="med" len="med"/>
-                    </a:lnL>
-                    <a:lnR w="12700" cap="flat" cmpd="sng" algn="ctr">
-                      <a:solidFill>
-                        <a:schemeClr val="tx1"/>
-                      </a:solidFill>
-                      <a:prstDash val="solid"/>
-                      <a:round/>
-                      <a:headEnd type="none" w="med" len="med"/>
-                      <a:tailEnd type="none" w="med" len="med"/>
-                    </a:lnR>
-                    <a:lnT w="12700" cap="flat" cmpd="sng" algn="ctr">
-                      <a:solidFill>
-                        <a:schemeClr val="tx1"/>
-                      </a:solidFill>
-                      <a:prstDash val="solid"/>
-                      <a:round/>
-                      <a:headEnd type="none" w="med" len="med"/>
-                      <a:tailEnd type="none" w="med" len="med"/>
-                    </a:lnT>
-                    <a:lnB w="12700" cap="flat" cmpd="sng" algn="ctr">
-                      <a:solidFill>
-                        <a:schemeClr val="tx1"/>
-                      </a:solidFill>
-                      <a:prstDash val="solid"/>
-                      <a:round/>
-                      <a:headEnd type="none" w="med" len="med"/>
-                      <a:tailEnd type="none" w="med" len="med"/>
-                    </a:lnB>
-                  </a:tcPr>
-                </a:tc>
-              </a:tr>
-              <a:tr h="370840">
-                <a:tc>
-                  <a:txBody>
-                    <a:bodyPr/>
-                    <a:lstStyle/>
-                    <a:p>
-                      <a:pPr marL="0" marR="0" lvl="0" indent="0" algn="l" defTabSz="1219170" rtl="0" eaLnBrk="1" fontAlgn="auto" latinLnBrk="0" hangingPunct="1">
-                        <a:lnSpc>
-                          <a:spcPct val="100000"/>
-                        </a:lnSpc>
-                        <a:spcBef>
-                          <a:spcPts val="0"/>
-                        </a:spcBef>
-                        <a:spcAft>
-                          <a:spcPts val="0"/>
-                        </a:spcAft>
-                        <a:buClrTx/>
-                        <a:buSzTx/>
-                        <a:buFontTx/>
-                        <a:buNone/>
-                        <a:tabLst/>
-                        <a:defRPr/>
-                      </a:pPr>
-                      <a:r>
-                        <a:rPr lang="en-US" altLang="zh-CN" sz="1400" kern="1200" dirty="0" smtClean="0">
-                          <a:solidFill>
-                            <a:schemeClr val="tx1"/>
-                          </a:solidFill>
-                          <a:latin typeface="+mn-lt"/>
-                          <a:ea typeface="+mn-ea"/>
-                          <a:cs typeface="+mn-cs"/>
-                        </a:rPr>
-                        <a:t>8</a:t>
-                      </a:r>
-                      <a:r>
-                        <a:rPr lang="zh-CN" altLang="en-US" sz="1400" kern="1200" dirty="0" smtClean="0">
-                          <a:solidFill>
-                            <a:schemeClr val="tx1"/>
-                          </a:solidFill>
-                          <a:latin typeface="+mn-lt"/>
-                          <a:ea typeface="+mn-ea"/>
-                          <a:cs typeface="+mn-cs"/>
-                        </a:rPr>
-                        <a:t>、</a:t>
-                      </a:r>
-                      <a:r>
-                        <a:rPr lang="en-US" altLang="zh-CN" sz="1400" kern="1200" dirty="0" smtClean="0">
-                          <a:solidFill>
-                            <a:schemeClr val="tx1"/>
-                          </a:solidFill>
-                          <a:latin typeface="+mn-lt"/>
-                          <a:ea typeface="+mn-ea"/>
-                          <a:cs typeface="+mn-cs"/>
-                        </a:rPr>
-                        <a:t>BMC</a:t>
-                      </a:r>
-                      <a:r>
-                        <a:rPr lang="zh-CN" altLang="en-US" sz="1400" kern="1200" dirty="0" smtClean="0">
-                          <a:solidFill>
-                            <a:schemeClr val="tx1"/>
-                          </a:solidFill>
-                          <a:latin typeface="+mn-lt"/>
-                          <a:ea typeface="+mn-ea"/>
-                          <a:cs typeface="+mn-cs"/>
-                        </a:rPr>
-                        <a:t>卡顿；</a:t>
-                      </a:r>
-                      <a:r>
-                        <a:rPr lang="en-US" altLang="zh-CN" sz="1400" kern="1200" dirty="0" smtClean="0">
-                          <a:solidFill>
-                            <a:schemeClr val="tx1"/>
-                          </a:solidFill>
-                          <a:latin typeface="+mn-lt"/>
-                          <a:ea typeface="+mn-ea"/>
-                          <a:cs typeface="+mn-cs"/>
-                        </a:rPr>
-                        <a:t>BMC</a:t>
-                      </a:r>
-                      <a:r>
-                        <a:rPr lang="zh-CN" altLang="en-US" sz="1400" kern="1200" dirty="0" smtClean="0">
-                          <a:solidFill>
-                            <a:schemeClr val="tx1"/>
-                          </a:solidFill>
-                          <a:latin typeface="+mn-lt"/>
-                          <a:ea typeface="+mn-ea"/>
-                          <a:cs typeface="+mn-cs"/>
-                        </a:rPr>
-                        <a:t>下发开关机无反应，服务器不能</a:t>
-                      </a:r>
-                      <a:r>
-                        <a:rPr lang="en-US" altLang="zh-CN" sz="1400" kern="1200" dirty="0" smtClean="0">
-                          <a:solidFill>
-                            <a:schemeClr val="tx1"/>
-                          </a:solidFill>
-                          <a:latin typeface="+mn-lt"/>
-                          <a:ea typeface="+mn-ea"/>
-                          <a:cs typeface="+mn-cs"/>
-                        </a:rPr>
-                        <a:t>AC</a:t>
-                      </a:r>
-                      <a:r>
-                        <a:rPr lang="zh-CN" altLang="en-US" sz="1400" kern="1200" dirty="0" smtClean="0">
-                          <a:solidFill>
-                            <a:schemeClr val="tx1"/>
-                          </a:solidFill>
-                          <a:latin typeface="+mn-lt"/>
-                          <a:ea typeface="+mn-ea"/>
-                          <a:cs typeface="+mn-cs"/>
-                        </a:rPr>
-                        <a:t>；</a:t>
-                      </a:r>
-                      <a:endParaRPr lang="en-US" altLang="zh-CN" sz="1400" kern="1200" dirty="0" smtClean="0">
-                        <a:solidFill>
-                          <a:schemeClr val="tx1"/>
-                        </a:solidFill>
-                        <a:latin typeface="+mn-lt"/>
-                        <a:ea typeface="+mn-ea"/>
-                        <a:cs typeface="+mn-cs"/>
-                      </a:endParaRPr>
-                    </a:p>
-                  </a:txBody>
-                  <a:tcPr anchor="ctr">
-                    <a:lnL w="12700" cap="flat" cmpd="sng" algn="ctr">
-                      <a:solidFill>
-                        <a:schemeClr val="tx1"/>
-                      </a:solidFill>
-                      <a:prstDash val="solid"/>
-                      <a:round/>
-                      <a:headEnd type="none" w="med" len="med"/>
-                      <a:tailEnd type="none" w="med" len="med"/>
-                    </a:lnL>
-                    <a:lnR w="12700" cap="flat" cmpd="sng" algn="ctr">
-                      <a:solidFill>
-                        <a:schemeClr val="tx1"/>
-                      </a:solidFill>
-                      <a:prstDash val="solid"/>
-                      <a:round/>
-                      <a:headEnd type="none" w="med" len="med"/>
-                      <a:tailEnd type="none" w="med" len="med"/>
-                    </a:lnR>
-                    <a:lnT w="12700" cap="flat" cmpd="sng" algn="ctr">
-                      <a:solidFill>
-                        <a:schemeClr val="tx1"/>
-                      </a:solidFill>
-                      <a:prstDash val="solid"/>
-                      <a:round/>
-                      <a:headEnd type="none" w="med" len="med"/>
-                      <a:tailEnd type="none" w="med" len="med"/>
-                    </a:lnT>
-                    <a:lnB w="12700" cap="flat" cmpd="sng" algn="ctr">
-                      <a:solidFill>
-                        <a:schemeClr val="tx1"/>
-                      </a:solidFill>
-                      <a:prstDash val="solid"/>
-                      <a:round/>
-                      <a:headEnd type="none" w="med" len="med"/>
-                      <a:tailEnd type="none" w="med" len="med"/>
-                    </a:lnB>
-                  </a:tcPr>
-                </a:tc>
-              </a:tr>
-              <a:tr h="370840">
-                <a:tc>
-                  <a:txBody>
-                    <a:bodyPr/>
-                    <a:lstStyle/>
-                    <a:p>
-                      <a:pPr marL="0" marR="0" lvl="0" indent="0" algn="l" defTabSz="1219170" rtl="0" eaLnBrk="1" fontAlgn="auto" latinLnBrk="0" hangingPunct="1">
-                        <a:lnSpc>
-                          <a:spcPct val="100000"/>
-                        </a:lnSpc>
-                        <a:spcBef>
-                          <a:spcPts val="0"/>
-                        </a:spcBef>
-                        <a:spcAft>
-                          <a:spcPts val="0"/>
-                        </a:spcAft>
-                        <a:buClrTx/>
-                        <a:buSzTx/>
-                        <a:buFontTx/>
-                        <a:buNone/>
-                        <a:tabLst/>
-                        <a:defRPr/>
-                      </a:pPr>
-                      <a:r>
-                        <a:rPr lang="en-US" altLang="zh-CN" sz="1400" kern="1200" dirty="0" smtClean="0">
-                          <a:solidFill>
-                            <a:srgbClr val="FF0000"/>
-                          </a:solidFill>
-                          <a:latin typeface="+mn-lt"/>
-                          <a:ea typeface="+mn-ea"/>
-                          <a:cs typeface="+mn-cs"/>
-                        </a:rPr>
-                        <a:t>9</a:t>
-                      </a:r>
-                      <a:r>
-                        <a:rPr lang="zh-CN" altLang="en-US" sz="1400" kern="1200" dirty="0" smtClean="0">
-                          <a:solidFill>
-                            <a:srgbClr val="FF0000"/>
-                          </a:solidFill>
-                          <a:latin typeface="+mn-lt"/>
-                          <a:ea typeface="+mn-ea"/>
-                          <a:cs typeface="+mn-cs"/>
-                        </a:rPr>
-                        <a:t>、遗漏问题：同一</a:t>
-                      </a:r>
-                      <a:r>
-                        <a:rPr lang="en-US" altLang="zh-CN" sz="1400" kern="1200" dirty="0" err="1" smtClean="0">
-                          <a:solidFill>
-                            <a:srgbClr val="FF0000"/>
-                          </a:solidFill>
-                          <a:latin typeface="+mn-lt"/>
-                          <a:ea typeface="+mn-ea"/>
-                          <a:cs typeface="+mn-cs"/>
-                        </a:rPr>
-                        <a:t>CPLD</a:t>
-                      </a:r>
-                      <a:r>
-                        <a:rPr lang="zh-CN" altLang="en-US" sz="1400" kern="1200" dirty="0" smtClean="0">
-                          <a:solidFill>
-                            <a:srgbClr val="FF0000"/>
-                          </a:solidFill>
-                          <a:latin typeface="+mn-lt"/>
-                          <a:ea typeface="+mn-ea"/>
-                          <a:cs typeface="+mn-cs"/>
-                        </a:rPr>
-                        <a:t>版本，不同</a:t>
-                      </a:r>
-                      <a:r>
-                        <a:rPr lang="zh-CN" altLang="en-US" sz="1400" kern="1200" dirty="0" smtClean="0">
-                          <a:solidFill>
-                            <a:srgbClr val="FF0000"/>
-                          </a:solidFill>
-                          <a:latin typeface="+mn-lt"/>
-                          <a:ea typeface="+mn-ea"/>
-                          <a:cs typeface="+mn-cs"/>
-                        </a:rPr>
-                        <a:t>测试人员的单板开</a:t>
-                      </a:r>
-                      <a:r>
-                        <a:rPr lang="zh-CN" altLang="en-US" sz="1400" kern="1200" dirty="0" smtClean="0">
-                          <a:solidFill>
-                            <a:srgbClr val="FF0000"/>
-                          </a:solidFill>
-                          <a:latin typeface="+mn-lt"/>
-                          <a:ea typeface="+mn-ea"/>
-                          <a:cs typeface="+mn-cs"/>
-                        </a:rPr>
-                        <a:t>关机状态不同；</a:t>
+                        <a:t>版本，不同测试人员的单板开关机状态不同；</a:t>
                       </a:r>
                       <a:endParaRPr lang="en-US" altLang="zh-CN" sz="1400" kern="1200" dirty="0" smtClean="0">
                         <a:solidFill>
@@ -9802,7 +9790,7 @@
           <p:cNvPr id="7" name="文本框 6">
             <a:extLst>
               <a:ext uri="{FF2B5EF4-FFF2-40B4-BE49-F238E27FC236}">
-                <a16:creationId xmlns:a16="http://schemas.microsoft.com/office/drawing/2014/main" xmlns="" id="{2BC0A0A8-0C9C-2D51-D930-A3AB6D1663CB}"/>
+                <a16:creationId xmlns="" xmlns:a16="http://schemas.microsoft.com/office/drawing/2014/main" id="{2BC0A0A8-0C9C-2D51-D930-A3AB6D1663CB}"/>
               </a:ext>
             </a:extLst>
           </p:cNvPr>
@@ -9843,6 +9831,16 @@
               <a:defRPr/>
             </a:pPr>
             <a:r>
+              <a:rPr lang="en-US" altLang="zh-CN" b="1" dirty="0" smtClean="0">
+                <a:solidFill>
+                  <a:prstClr val="black"/>
+                </a:solidFill>
+                <a:latin typeface="微软雅黑" panose="020B0503020204020204" pitchFamily="34" charset="-122"/>
+                <a:ea typeface="微软雅黑" panose="020B0503020204020204" pitchFamily="34" charset="-122"/>
+              </a:rPr>
+              <a:t>3E6000</a:t>
+            </a:r>
+            <a:r>
               <a:rPr lang="zh-CN" altLang="en-US" b="1" dirty="0" smtClean="0">
                 <a:solidFill>
                   <a:prstClr val="black"/>
@@ -9850,7 +9848,7 @@
                 <a:latin typeface="微软雅黑" panose="020B0503020204020204" pitchFamily="34" charset="-122"/>
                 <a:ea typeface="微软雅黑" panose="020B0503020204020204" pitchFamily="34" charset="-122"/>
               </a:rPr>
-              <a:t>龙芯</a:t>
+              <a:t>调试需求维护</a:t>
             </a:r>
             <a:r>
               <a:rPr lang="en-US" altLang="zh-CN" b="1" dirty="0" smtClean="0">
@@ -9860,7 +9858,7 @@
                 <a:latin typeface="微软雅黑" panose="020B0503020204020204" pitchFamily="34" charset="-122"/>
                 <a:ea typeface="微软雅黑" panose="020B0503020204020204" pitchFamily="34" charset="-122"/>
               </a:rPr>
-              <a:t>3E6000	</a:t>
+              <a:t>	</a:t>
             </a:r>
             <a:endParaRPr kumimoji="0" lang="en-US" altLang="zh-CN" sz="1800" b="0" i="0" u="none" strike="noStrike" kern="1200" cap="none" spc="0" normalizeH="0" baseline="0" noProof="0" dirty="0">
               <a:ln>
@@ -9908,7 +9906,7 @@
         <p:cNvPr id="1" name="">
           <a:extLst>
             <a:ext uri="{FF2B5EF4-FFF2-40B4-BE49-F238E27FC236}">
-              <a16:creationId xmlns:a16="http://schemas.microsoft.com/office/drawing/2014/main" xmlns="" id="{441C1419-120D-DC1F-C21A-56303716ED90}"/>
+              <a16:creationId xmlns="" xmlns:a16="http://schemas.microsoft.com/office/drawing/2014/main" id="{441C1419-120D-DC1F-C21A-56303716ED90}"/>
             </a:ext>
           </a:extLst>
         </p:cNvPr>
@@ -9928,7 +9926,7 @@
           <p:cNvPr id="8" name="标题 1">
             <a:extLst>
               <a:ext uri="{FF2B5EF4-FFF2-40B4-BE49-F238E27FC236}">
-                <a16:creationId xmlns:a16="http://schemas.microsoft.com/office/drawing/2014/main" xmlns="" id="{BF62F1C8-BD5E-AB89-0E19-C79DD8E1455D}"/>
+                <a16:creationId xmlns="" xmlns:a16="http://schemas.microsoft.com/office/drawing/2014/main" id="{BF62F1C8-BD5E-AB89-0E19-C79DD8E1455D}"/>
               </a:ext>
             </a:extLst>
           </p:cNvPr>
@@ -10755,7 +10753,7 @@
           <p:cNvPr id="4" name="文本框 3">
             <a:extLst>
               <a:ext uri="{FF2B5EF4-FFF2-40B4-BE49-F238E27FC236}">
-                <a16:creationId xmlns:a16="http://schemas.microsoft.com/office/drawing/2014/main" xmlns="" id="{2BC0A0A8-0C9C-2D51-D930-A3AB6D1663CB}"/>
+                <a16:creationId xmlns="" xmlns:a16="http://schemas.microsoft.com/office/drawing/2014/main" id="{2BC0A0A8-0C9C-2D51-D930-A3AB6D1663CB}"/>
               </a:ext>
             </a:extLst>
           </p:cNvPr>
@@ -15598,7 +15596,7 @@
         <p:cNvPr id="1" name="">
           <a:extLst>
             <a:ext uri="{FF2B5EF4-FFF2-40B4-BE49-F238E27FC236}">
-              <a16:creationId xmlns:a16="http://schemas.microsoft.com/office/drawing/2014/main" xmlns="" id="{4167FC13-AE83-0D31-8133-BF00331292B8}"/>
+              <a16:creationId xmlns="" xmlns:a16="http://schemas.microsoft.com/office/drawing/2014/main" id="{4167FC13-AE83-0D31-8133-BF00331292B8}"/>
             </a:ext>
           </a:extLst>
         </p:cNvPr>
@@ -15618,7 +15616,7 @@
           <p:cNvPr id="8" name="标题 1">
             <a:extLst>
               <a:ext uri="{FF2B5EF4-FFF2-40B4-BE49-F238E27FC236}">
-                <a16:creationId xmlns:a16="http://schemas.microsoft.com/office/drawing/2014/main" xmlns="" id="{5B6710D7-1A3C-9C49-E367-73AFDE59579D}"/>
+                <a16:creationId xmlns="" xmlns:a16="http://schemas.microsoft.com/office/drawing/2014/main" id="{5B6710D7-1A3C-9C49-E367-73AFDE59579D}"/>
               </a:ext>
             </a:extLst>
           </p:cNvPr>
@@ -15803,7 +15801,7 @@
           <p:cNvPr id="3" name="图片 2" descr="图示, 示意图&#10;&#10;AI 生成的内容可能不正确。">
             <a:extLst>
               <a:ext uri="{FF2B5EF4-FFF2-40B4-BE49-F238E27FC236}">
-                <a16:creationId xmlns:a16="http://schemas.microsoft.com/office/drawing/2014/main" xmlns="" id="{071990E3-1218-34A2-BEFE-1F826A711DE7}"/>
+                <a16:creationId xmlns="" xmlns:a16="http://schemas.microsoft.com/office/drawing/2014/main" id="{071990E3-1218-34A2-BEFE-1F826A711DE7}"/>
               </a:ext>
             </a:extLst>
           </p:cNvPr>
@@ -15833,7 +15831,7 @@
           <p:cNvPr id="5" name="直接连接符 4">
             <a:extLst>
               <a:ext uri="{FF2B5EF4-FFF2-40B4-BE49-F238E27FC236}">
-                <a16:creationId xmlns:a16="http://schemas.microsoft.com/office/drawing/2014/main" xmlns="" id="{7BECF130-A785-D356-EA8A-F3280894CAC1}"/>
+                <a16:creationId xmlns="" xmlns:a16="http://schemas.microsoft.com/office/drawing/2014/main" id="{7BECF130-A785-D356-EA8A-F3280894CAC1}"/>
               </a:ext>
             </a:extLst>
           </p:cNvPr>
@@ -15880,7 +15878,7 @@
           <p:cNvPr id="10" name="矩形 9">
             <a:extLst>
               <a:ext uri="{FF2B5EF4-FFF2-40B4-BE49-F238E27FC236}">
-                <a16:creationId xmlns:a16="http://schemas.microsoft.com/office/drawing/2014/main" xmlns="" id="{50131B96-1067-AAC2-2D75-9FD20C3217AA}"/>
+                <a16:creationId xmlns="" xmlns:a16="http://schemas.microsoft.com/office/drawing/2014/main" id="{50131B96-1067-AAC2-2D75-9FD20C3217AA}"/>
               </a:ext>
             </a:extLst>
           </p:cNvPr>
@@ -17292,7 +17290,7 @@
           <p:cNvPr id="6" name="文本框 5">
             <a:extLst>
               <a:ext uri="{FF2B5EF4-FFF2-40B4-BE49-F238E27FC236}">
-                <a16:creationId xmlns:a16="http://schemas.microsoft.com/office/drawing/2014/main" xmlns="" id="{2BC0A0A8-0C9C-2D51-D930-A3AB6D1663CB}"/>
+                <a16:creationId xmlns="" xmlns:a16="http://schemas.microsoft.com/office/drawing/2014/main" id="{2BC0A0A8-0C9C-2D51-D930-A3AB6D1663CB}"/>
               </a:ext>
             </a:extLst>
           </p:cNvPr>
@@ -17387,7 +17385,7 @@
         <p:cNvPr id="1" name="">
           <a:extLst>
             <a:ext uri="{FF2B5EF4-FFF2-40B4-BE49-F238E27FC236}">
-              <a16:creationId xmlns:a16="http://schemas.microsoft.com/office/drawing/2014/main" xmlns="" id="{40A3AE70-9581-A6CE-FB57-D606A42AA9C4}"/>
+              <a16:creationId xmlns="" xmlns:a16="http://schemas.microsoft.com/office/drawing/2014/main" id="{40A3AE70-9581-A6CE-FB57-D606A42AA9C4}"/>
             </a:ext>
           </a:extLst>
         </p:cNvPr>
@@ -17407,7 +17405,7 @@
           <p:cNvPr id="8" name="标题 1">
             <a:extLst>
               <a:ext uri="{FF2B5EF4-FFF2-40B4-BE49-F238E27FC236}">
-                <a16:creationId xmlns:a16="http://schemas.microsoft.com/office/drawing/2014/main" xmlns="" id="{2025E29C-3DB3-4716-0C1D-D211000B0971}"/>
+                <a16:creationId xmlns="" xmlns:a16="http://schemas.microsoft.com/office/drawing/2014/main" id="{2025E29C-3DB3-4716-0C1D-D211000B0971}"/>
               </a:ext>
             </a:extLst>
           </p:cNvPr>
@@ -17587,7 +17585,7 @@
           <p:cNvPr id="11" name="文本框 10">
             <a:extLst>
               <a:ext uri="{FF2B5EF4-FFF2-40B4-BE49-F238E27FC236}">
-                <a16:creationId xmlns:a16="http://schemas.microsoft.com/office/drawing/2014/main" xmlns="" id="{2BC0A0A8-0C9C-2D51-D930-A3AB6D1663CB}"/>
+                <a16:creationId xmlns="" xmlns:a16="http://schemas.microsoft.com/office/drawing/2014/main" id="{2BC0A0A8-0C9C-2D51-D930-A3AB6D1663CB}"/>
               </a:ext>
             </a:extLst>
           </p:cNvPr>
@@ -17660,7 +17658,7 @@
           <p:cNvPr id="5" name="直接连接符 4">
             <a:extLst>
               <a:ext uri="{FF2B5EF4-FFF2-40B4-BE49-F238E27FC236}">
-                <a16:creationId xmlns:a16="http://schemas.microsoft.com/office/drawing/2014/main" xmlns="" id="{51869E89-D624-D4A4-243B-3799A8F546CB}"/>
+                <a16:creationId xmlns="" xmlns:a16="http://schemas.microsoft.com/office/drawing/2014/main" id="{51869E89-D624-D4A4-243B-3799A8F546CB}"/>
               </a:ext>
             </a:extLst>
           </p:cNvPr>
@@ -17707,7 +17705,7 @@
           <p:cNvPr id="10" name="矩形 9">
             <a:extLst>
               <a:ext uri="{FF2B5EF4-FFF2-40B4-BE49-F238E27FC236}">
-                <a16:creationId xmlns:a16="http://schemas.microsoft.com/office/drawing/2014/main" xmlns="" id="{57A52783-686B-AA09-B339-0D77F83E901E}"/>
+                <a16:creationId xmlns="" xmlns:a16="http://schemas.microsoft.com/office/drawing/2014/main" id="{57A52783-686B-AA09-B339-0D77F83E901E}"/>
               </a:ext>
             </a:extLst>
           </p:cNvPr>
@@ -18165,7 +18163,7 @@
           <p:cNvPr id="2" name="图片 1">
             <a:extLst>
               <a:ext uri="{FF2B5EF4-FFF2-40B4-BE49-F238E27FC236}">
-                <a16:creationId xmlns:a16="http://schemas.microsoft.com/office/drawing/2014/main" xmlns="" id="{95028011-DBC2-C3EA-C248-CED458F0CD95}"/>
+                <a16:creationId xmlns="" xmlns:a16="http://schemas.microsoft.com/office/drawing/2014/main" id="{95028011-DBC2-C3EA-C248-CED458F0CD95}"/>
               </a:ext>
             </a:extLst>
           </p:cNvPr>
@@ -18219,7 +18217,7 @@
         <p:cNvPr id="1" name="">
           <a:extLst>
             <a:ext uri="{FF2B5EF4-FFF2-40B4-BE49-F238E27FC236}">
-              <a16:creationId xmlns:a16="http://schemas.microsoft.com/office/drawing/2014/main" xmlns="" id="{AC470C7D-3446-8BFD-D29C-E5CB50161FF3}"/>
+              <a16:creationId xmlns="" xmlns:a16="http://schemas.microsoft.com/office/drawing/2014/main" id="{AC470C7D-3446-8BFD-D29C-E5CB50161FF3}"/>
             </a:ext>
           </a:extLst>
         </p:cNvPr>
@@ -18239,7 +18237,7 @@
           <p:cNvPr id="8" name="标题 1">
             <a:extLst>
               <a:ext uri="{FF2B5EF4-FFF2-40B4-BE49-F238E27FC236}">
-                <a16:creationId xmlns:a16="http://schemas.microsoft.com/office/drawing/2014/main" xmlns="" id="{60CB0C96-0DF0-A989-5C0A-E938908FA0B2}"/>
+                <a16:creationId xmlns="" xmlns:a16="http://schemas.microsoft.com/office/drawing/2014/main" id="{60CB0C96-0DF0-A989-5C0A-E938908FA0B2}"/>
               </a:ext>
             </a:extLst>
           </p:cNvPr>
@@ -18436,7 +18434,7 @@
           <p:cNvPr id="5" name="直接连接符 4">
             <a:extLst>
               <a:ext uri="{FF2B5EF4-FFF2-40B4-BE49-F238E27FC236}">
-                <a16:creationId xmlns:a16="http://schemas.microsoft.com/office/drawing/2014/main" xmlns="" id="{3F612B68-85B8-D7DF-6FDF-9FA88DD78519}"/>
+                <a16:creationId xmlns="" xmlns:a16="http://schemas.microsoft.com/office/drawing/2014/main" id="{3F612B68-85B8-D7DF-6FDF-9FA88DD78519}"/>
               </a:ext>
             </a:extLst>
           </p:cNvPr>
@@ -18483,7 +18481,7 @@
           <p:cNvPr id="9" name="图片 8">
             <a:extLst>
               <a:ext uri="{FF2B5EF4-FFF2-40B4-BE49-F238E27FC236}">
-                <a16:creationId xmlns:a16="http://schemas.microsoft.com/office/drawing/2014/main" xmlns="" id="{B0EB4A4D-84ED-949C-02A8-C65834402CE1}"/>
+                <a16:creationId xmlns="" xmlns:a16="http://schemas.microsoft.com/office/drawing/2014/main" id="{B0EB4A4D-84ED-949C-02A8-C65834402CE1}"/>
               </a:ext>
             </a:extLst>
           </p:cNvPr>
@@ -18519,7 +18517,7 @@
           <p:cNvPr id="2" name="矩形 1">
             <a:extLst>
               <a:ext uri="{FF2B5EF4-FFF2-40B4-BE49-F238E27FC236}">
-                <a16:creationId xmlns:a16="http://schemas.microsoft.com/office/drawing/2014/main" xmlns="" id="{55DDFED4-781E-9C16-ABE1-1F823FA2EE35}"/>
+                <a16:creationId xmlns="" xmlns:a16="http://schemas.microsoft.com/office/drawing/2014/main" id="{55DDFED4-781E-9C16-ABE1-1F823FA2EE35}"/>
               </a:ext>
             </a:extLst>
           </p:cNvPr>
@@ -18565,7 +18563,21 @@
                 <a:latin typeface="微软雅黑" panose="020B0503020204020204" pitchFamily="34" charset="-122"/>
                 <a:ea typeface="微软雅黑" panose="020B0503020204020204" pitchFamily="34" charset="-122"/>
               </a:rPr>
-              <a:t>、各电源状态机上电使能条件：上电阶段电源吴故障，延时后依次上电</a:t>
+              <a:t>、各电源状态机上电使能条件：上电阶段</a:t>
+            </a:r>
+            <a:r>
+              <a:rPr lang="zh-CN" altLang="en-US" sz="1200" b="1" dirty="0" smtClean="0">
+                <a:latin typeface="微软雅黑" panose="020B0503020204020204" pitchFamily="34" charset="-122"/>
+                <a:ea typeface="微软雅黑" panose="020B0503020204020204" pitchFamily="34" charset="-122"/>
+              </a:rPr>
+              <a:t>电源无故障</a:t>
+            </a:r>
+            <a:r>
+              <a:rPr lang="zh-CN" altLang="en-US" sz="1200" b="1" dirty="0">
+                <a:latin typeface="微软雅黑" panose="020B0503020204020204" pitchFamily="34" charset="-122"/>
+                <a:ea typeface="微软雅黑" panose="020B0503020204020204" pitchFamily="34" charset="-122"/>
+              </a:rPr>
+              <a:t>，延时后依次上电</a:t>
             </a:r>
             <a:endParaRPr lang="en-US" altLang="zh-CN" sz="1200" b="1" dirty="0">
               <a:latin typeface="微软雅黑" panose="020B0503020204020204" pitchFamily="34" charset="-122"/>
@@ -20304,7 +20316,7 @@
           <p:cNvPr id="13" name="图片 12">
             <a:extLst>
               <a:ext uri="{FF2B5EF4-FFF2-40B4-BE49-F238E27FC236}">
-                <a16:creationId xmlns:a16="http://schemas.microsoft.com/office/drawing/2014/main" xmlns="" id="{1AE1DFCD-1015-3C95-9646-7FC96E54976F}"/>
+                <a16:creationId xmlns="" xmlns:a16="http://schemas.microsoft.com/office/drawing/2014/main" id="{1AE1DFCD-1015-3C95-9646-7FC96E54976F}"/>
               </a:ext>
             </a:extLst>
           </p:cNvPr>
@@ -20334,7 +20346,7 @@
           <p:cNvPr id="7" name="文本框 6">
             <a:extLst>
               <a:ext uri="{FF2B5EF4-FFF2-40B4-BE49-F238E27FC236}">
-                <a16:creationId xmlns:a16="http://schemas.microsoft.com/office/drawing/2014/main" xmlns="" id="{2BC0A0A8-0C9C-2D51-D930-A3AB6D1663CB}"/>
+                <a16:creationId xmlns="" xmlns:a16="http://schemas.microsoft.com/office/drawing/2014/main" id="{2BC0A0A8-0C9C-2D51-D930-A3AB6D1663CB}"/>
               </a:ext>
             </a:extLst>
           </p:cNvPr>
@@ -20344,7 +20356,7 @@
         <p:spPr>
           <a:xfrm>
             <a:off x="527260" y="1056749"/>
-            <a:ext cx="10215418" cy="338554"/>
+            <a:ext cx="4828511" cy="338554"/>
           </a:xfrm>
           <a:prstGeom prst="rect">
             <a:avLst/>
